--- a/Doc/JPIERE-0098_�}�g���N�X�E�B���h�E.pptx
+++ b/Doc/JPIERE-0098_�}�g���N�X�E�B���h�E.pptx
@@ -5659,15 +5659,7 @@
                   <a:schemeClr val="tx1"/>
                 </a:solidFill>
               </a:rPr>
-              <a:t>選択したウィンドウの中から、マトリクスウィンドウで編集したいタブを選択します</a:t>
-            </a:r>
-            <a:r>
-              <a:rPr lang="ja-JP" altLang="en-US" sz="1000" dirty="0" smtClean="0">
-                <a:solidFill>
-                  <a:schemeClr val="tx1"/>
-                </a:solidFill>
-              </a:rPr>
-              <a:t>。</a:t>
+              <a:t>選択したウィンドウの中から、マトリクスウィンドウで編集したいタブを選択します。</a:t>
             </a:r>
             <a:endParaRPr lang="en-US" altLang="ja-JP" sz="1000" dirty="0" smtClean="0">
               <a:solidFill>
@@ -5986,15 +5978,7 @@
                   <a:schemeClr val="tx1"/>
                 </a:solidFill>
               </a:rPr>
-              <a:t>マトリクスウィンドウでデータを新規登録したい場合に、そのデータをクイック入力する設定がされているウィンドウを選択します</a:t>
-            </a:r>
-            <a:r>
-              <a:rPr lang="ja-JP" altLang="en-US" sz="1000" dirty="0" smtClean="0">
-                <a:solidFill>
-                  <a:schemeClr val="tx1"/>
-                </a:solidFill>
-              </a:rPr>
-              <a:t>。</a:t>
+              <a:t>マトリクスウィンドウでデータを新規登録したい場合に、そのデータをクイック入力する設定がされているウィンドウを選択します。</a:t>
             </a:r>
             <a:endParaRPr lang="en-US" altLang="ja-JP" sz="1000" dirty="0" smtClean="0">
               <a:solidFill>
@@ -6013,7 +5997,23 @@
                   <a:schemeClr val="tx1"/>
                 </a:solidFill>
               </a:rPr>
-              <a:t>クイック入力引継設定</a:t>
+              <a:t>クイック</a:t>
+            </a:r>
+            <a:r>
+              <a:rPr lang="ja-JP" altLang="en-US" sz="1000" u="sng" dirty="0" smtClean="0">
+                <a:solidFill>
+                  <a:schemeClr val="tx1"/>
+                </a:solidFill>
+              </a:rPr>
+              <a:t>入力情報引継</a:t>
+            </a:r>
+            <a:r>
+              <a:rPr lang="ja-JP" altLang="en-US" sz="1000" u="sng" dirty="0" smtClean="0">
+                <a:solidFill>
+                  <a:schemeClr val="tx1"/>
+                </a:solidFill>
+              </a:rPr>
+              <a:t>設定</a:t>
             </a:r>
             <a:r>
               <a:rPr lang="en-US" altLang="ja-JP" sz="1000" dirty="0" smtClean="0">
@@ -6045,7 +6045,15 @@
                   <a:schemeClr val="tx1"/>
                 </a:solidFill>
               </a:rPr>
-              <a:t>列の情報を引き継ぐ</a:t>
+              <a:t>列の情報を</a:t>
+            </a:r>
+            <a:r>
+              <a:rPr lang="ja-JP" altLang="en-US" sz="1000" dirty="0" smtClean="0">
+                <a:solidFill>
+                  <a:schemeClr val="tx1"/>
+                </a:solidFill>
+              </a:rPr>
+              <a:t>引き継ぐ</a:t>
             </a:r>
             <a:r>
               <a:rPr lang="en-US" altLang="ja-JP" sz="1000" dirty="0" smtClean="0">
@@ -6053,7 +6061,39 @@
                   <a:schemeClr val="tx1"/>
                 </a:solidFill>
               </a:rPr>
-              <a:t>;02:</a:t>
+              <a:t>(Column</a:t>
+            </a:r>
+            <a:r>
+              <a:rPr lang="ja-JP" altLang="en-US" sz="1000" dirty="0">
+                <a:solidFill>
+                  <a:schemeClr val="tx1"/>
+                </a:solidFill>
+              </a:rPr>
+              <a:t> </a:t>
+            </a:r>
+            <a:r>
+              <a:rPr lang="en-US" altLang="ja-JP" sz="1000" dirty="0" smtClean="0">
+                <a:solidFill>
+                  <a:schemeClr val="tx1"/>
+                </a:solidFill>
+              </a:rPr>
+              <a:t>info only</a:t>
+            </a:r>
+            <a:r>
+              <a:rPr lang="en-US" altLang="ja-JP" sz="1000" dirty="0" smtClean="0">
+                <a:solidFill>
+                  <a:schemeClr val="tx1"/>
+                </a:solidFill>
+              </a:rPr>
+              <a:t>);</a:t>
+            </a:r>
+            <a:r>
+              <a:rPr lang="en-US" altLang="ja-JP" sz="1000" dirty="0" smtClean="0">
+                <a:solidFill>
+                  <a:schemeClr val="tx1"/>
+                </a:solidFill>
+              </a:rPr>
+              <a:t>02:</a:t>
             </a:r>
             <a:r>
               <a:rPr lang="ja-JP" altLang="en-US" sz="1000" dirty="0" smtClean="0">
@@ -6061,7 +6101,39 @@
                   <a:schemeClr val="tx1"/>
                 </a:solidFill>
               </a:rPr>
-              <a:t>行情報を引き継ぐ</a:t>
+              <a:t>行</a:t>
+            </a:r>
+            <a:r>
+              <a:rPr lang="ja-JP" altLang="en-US" sz="1000" dirty="0">
+                <a:solidFill>
+                  <a:schemeClr val="tx1"/>
+                </a:solidFill>
+              </a:rPr>
+              <a:t>の</a:t>
+            </a:r>
+            <a:r>
+              <a:rPr lang="ja-JP" altLang="en-US" sz="1000" dirty="0" smtClean="0">
+                <a:solidFill>
+                  <a:schemeClr val="tx1"/>
+                </a:solidFill>
+              </a:rPr>
+              <a:t>情報</a:t>
+            </a:r>
+            <a:r>
+              <a:rPr lang="ja-JP" altLang="en-US" sz="1000" dirty="0" smtClean="0">
+                <a:solidFill>
+                  <a:schemeClr val="tx1"/>
+                </a:solidFill>
+              </a:rPr>
+              <a:t>を</a:t>
+            </a:r>
+            <a:r>
+              <a:rPr lang="ja-JP" altLang="en-US" sz="1000" dirty="0" smtClean="0">
+                <a:solidFill>
+                  <a:schemeClr val="tx1"/>
+                </a:solidFill>
+              </a:rPr>
+              <a:t>引き継ぐ</a:t>
             </a:r>
             <a:r>
               <a:rPr lang="en-US" altLang="ja-JP" sz="1000" dirty="0" smtClean="0">
@@ -6069,7 +6141,15 @@
                   <a:schemeClr val="tx1"/>
                 </a:solidFill>
               </a:rPr>
-              <a:t>;03:</a:t>
+              <a:t>(Row info Only);</a:t>
+            </a:r>
+            <a:r>
+              <a:rPr lang="en-US" altLang="ja-JP" sz="1000" dirty="0" smtClean="0">
+                <a:solidFill>
+                  <a:schemeClr val="tx1"/>
+                </a:solidFill>
+              </a:rPr>
+              <a:t>03:</a:t>
             </a:r>
             <a:r>
               <a:rPr lang="ja-JP" altLang="en-US" sz="1000" dirty="0" smtClean="0">
@@ -6077,7 +6157,31 @@
                   <a:schemeClr val="tx1"/>
                 </a:solidFill>
               </a:rPr>
-              <a:t>列と行情報を引き継ぐ</a:t>
+              <a:t>列と</a:t>
+            </a:r>
+            <a:r>
+              <a:rPr lang="ja-JP" altLang="en-US" sz="1000" dirty="0" smtClean="0">
+                <a:solidFill>
+                  <a:schemeClr val="tx1"/>
+                </a:solidFill>
+              </a:rPr>
+              <a:t>行の情報</a:t>
+            </a:r>
+            <a:r>
+              <a:rPr lang="ja-JP" altLang="en-US" sz="1000" dirty="0" smtClean="0">
+                <a:solidFill>
+                  <a:schemeClr val="tx1"/>
+                </a:solidFill>
+              </a:rPr>
+              <a:t>を</a:t>
+            </a:r>
+            <a:r>
+              <a:rPr lang="ja-JP" altLang="en-US" sz="1000" dirty="0" smtClean="0">
+                <a:solidFill>
+                  <a:schemeClr val="tx1"/>
+                </a:solidFill>
+              </a:rPr>
+              <a:t>引き継ぐ</a:t>
             </a:r>
             <a:r>
               <a:rPr lang="en-US" altLang="ja-JP" sz="1000" dirty="0" smtClean="0">
@@ -6085,8 +6189,13 @@
                   <a:schemeClr val="tx1"/>
                 </a:solidFill>
               </a:rPr>
-              <a:t>;}</a:t>
-            </a:r>
+              <a:t>(Column and Row info);}</a:t>
+            </a:r>
+            <a:endParaRPr lang="en-US" altLang="ja-JP" sz="1000" dirty="0" smtClean="0">
+              <a:solidFill>
+                <a:schemeClr val="tx1"/>
+              </a:solidFill>
+            </a:endParaRPr>
           </a:p>
         </p:txBody>
       </p:sp>
@@ -6804,7 +6913,27 @@
                 <a:latin typeface="HGPｺﾞｼｯｸM" pitchFamily="50" charset="-128"/>
                 <a:ea typeface="HGPｺﾞｼｯｸM" pitchFamily="50" charset="-128"/>
               </a:rPr>
-              <a:t>クイック入力引継設定</a:t>
+              <a:t>クイック</a:t>
+            </a:r>
+            <a:r>
+              <a:rPr lang="ja-JP" altLang="en-US" sz="800" dirty="0" smtClean="0">
+                <a:solidFill>
+                  <a:schemeClr val="tx1"/>
+                </a:solidFill>
+                <a:latin typeface="HGPｺﾞｼｯｸM" pitchFamily="50" charset="-128"/>
+                <a:ea typeface="HGPｺﾞｼｯｸM" pitchFamily="50" charset="-128"/>
+              </a:rPr>
+              <a:t>入力情報引継</a:t>
+            </a:r>
+            <a:r>
+              <a:rPr lang="ja-JP" altLang="en-US" sz="800" dirty="0" smtClean="0">
+                <a:solidFill>
+                  <a:schemeClr val="tx1"/>
+                </a:solidFill>
+                <a:latin typeface="HGPｺﾞｼｯｸM" pitchFamily="50" charset="-128"/>
+                <a:ea typeface="HGPｺﾞｼｯｸM" pitchFamily="50" charset="-128"/>
+              </a:rPr>
+              <a:t>設定</a:t>
             </a:r>
             <a:endParaRPr lang="ja-JP" altLang="en-US" sz="800" dirty="0">
               <a:solidFill>
@@ -19012,15 +19141,7 @@
                   <a:schemeClr val="tx1"/>
                 </a:solidFill>
               </a:rPr>
-              <a:t>を使用して制限する</a:t>
-            </a:r>
-            <a:r>
-              <a:rPr lang="ja-JP" altLang="en-US" sz="1050" dirty="0" smtClean="0">
-                <a:solidFill>
-                  <a:schemeClr val="tx1"/>
-                </a:solidFill>
-              </a:rPr>
-              <a:t>。</a:t>
+              <a:t>を使用して制限する。</a:t>
             </a:r>
             <a:endParaRPr lang="en-US" altLang="ja-JP" sz="1050" dirty="0" smtClean="0">
               <a:solidFill>
@@ -20324,7 +20445,27 @@
                 <a:latin typeface="HGPｺﾞｼｯｸM" pitchFamily="50" charset="-128"/>
                 <a:ea typeface="HGPｺﾞｼｯｸM" pitchFamily="50" charset="-128"/>
               </a:rPr>
-              <a:t>クイック入力引継設定</a:t>
+              <a:t>クイック</a:t>
+            </a:r>
+            <a:r>
+              <a:rPr lang="ja-JP" altLang="en-US" sz="800" dirty="0" smtClean="0">
+                <a:solidFill>
+                  <a:schemeClr val="tx1"/>
+                </a:solidFill>
+                <a:latin typeface="HGPｺﾞｼｯｸM" pitchFamily="50" charset="-128"/>
+                <a:ea typeface="HGPｺﾞｼｯｸM" pitchFamily="50" charset="-128"/>
+              </a:rPr>
+              <a:t>入力情報引継</a:t>
+            </a:r>
+            <a:r>
+              <a:rPr lang="ja-JP" altLang="en-US" sz="800" dirty="0" smtClean="0">
+                <a:solidFill>
+                  <a:schemeClr val="tx1"/>
+                </a:solidFill>
+                <a:latin typeface="HGPｺﾞｼｯｸM" pitchFamily="50" charset="-128"/>
+                <a:ea typeface="HGPｺﾞｼｯｸM" pitchFamily="50" charset="-128"/>
+              </a:rPr>
+              <a:t>設定</a:t>
             </a:r>
             <a:endParaRPr lang="ja-JP" altLang="en-US" sz="800" dirty="0">
               <a:solidFill>

--- a/Doc/JPIERE-0098_�}�g���N�X�E�B���h�E.pptx
+++ b/Doc/JPIERE-0098_�}�g���N�X�E�B���h�E.pptx
@@ -5407,8 +5407,8 @@
         </p:nvSpPr>
         <p:spPr>
           <a:xfrm>
-            <a:off x="5362698" y="980728"/>
-            <a:ext cx="3530478" cy="5688632"/>
+            <a:off x="5362698" y="1268760"/>
+            <a:ext cx="3530478" cy="5256584"/>
           </a:xfrm>
           <a:prstGeom prst="rect">
             <a:avLst/>
@@ -5997,23 +5997,7 @@
                   <a:schemeClr val="tx1"/>
                 </a:solidFill>
               </a:rPr>
-              <a:t>クイック</a:t>
-            </a:r>
-            <a:r>
-              <a:rPr lang="ja-JP" altLang="en-US" sz="1000" u="sng" dirty="0" smtClean="0">
-                <a:solidFill>
-                  <a:schemeClr val="tx1"/>
-                </a:solidFill>
-              </a:rPr>
-              <a:t>入力情報引継</a:t>
-            </a:r>
-            <a:r>
-              <a:rPr lang="ja-JP" altLang="en-US" sz="1000" u="sng" dirty="0" smtClean="0">
-                <a:solidFill>
-                  <a:schemeClr val="tx1"/>
-                </a:solidFill>
-              </a:rPr>
-              <a:t>設定</a:t>
+              <a:t>クイック入力情報引継設定</a:t>
             </a:r>
             <a:r>
               <a:rPr lang="en-US" altLang="ja-JP" sz="1000" dirty="0" smtClean="0">
@@ -6029,15 +6013,7 @@
                   <a:schemeClr val="tx1"/>
                 </a:solidFill>
               </a:rPr>
-              <a:t>連続してクリック入力ウィンドウでデータを登録する際に、直前で入力した値を引き継いで入力するかどうか設定する事ができます。</a:t>
-            </a:r>
-            <a:r>
-              <a:rPr lang="en-US" altLang="ja-JP" sz="1000" dirty="0" smtClean="0">
-                <a:solidFill>
-                  <a:schemeClr val="tx1"/>
-                </a:solidFill>
-              </a:rPr>
-              <a:t>{01:</a:t>
+              <a:t>連続してクリック入力ウィンドウでデータを登録する際に、直前で入力した値を引き継いで入力するかどうか設定する事ができます</a:t>
             </a:r>
             <a:r>
               <a:rPr lang="ja-JP" altLang="en-US" sz="1000" dirty="0" smtClean="0">
@@ -6045,151 +6021,7 @@
                   <a:schemeClr val="tx1"/>
                 </a:solidFill>
               </a:rPr>
-              <a:t>列の情報を</a:t>
-            </a:r>
-            <a:r>
-              <a:rPr lang="ja-JP" altLang="en-US" sz="1000" dirty="0" smtClean="0">
-                <a:solidFill>
-                  <a:schemeClr val="tx1"/>
-                </a:solidFill>
-              </a:rPr>
-              <a:t>引き継ぐ</a:t>
-            </a:r>
-            <a:r>
-              <a:rPr lang="en-US" altLang="ja-JP" sz="1000" dirty="0" smtClean="0">
-                <a:solidFill>
-                  <a:schemeClr val="tx1"/>
-                </a:solidFill>
-              </a:rPr>
-              <a:t>(Column</a:t>
-            </a:r>
-            <a:r>
-              <a:rPr lang="ja-JP" altLang="en-US" sz="1000" dirty="0">
-                <a:solidFill>
-                  <a:schemeClr val="tx1"/>
-                </a:solidFill>
-              </a:rPr>
-              <a:t> </a:t>
-            </a:r>
-            <a:r>
-              <a:rPr lang="en-US" altLang="ja-JP" sz="1000" dirty="0" smtClean="0">
-                <a:solidFill>
-                  <a:schemeClr val="tx1"/>
-                </a:solidFill>
-              </a:rPr>
-              <a:t>info only</a:t>
-            </a:r>
-            <a:r>
-              <a:rPr lang="en-US" altLang="ja-JP" sz="1000" dirty="0" smtClean="0">
-                <a:solidFill>
-                  <a:schemeClr val="tx1"/>
-                </a:solidFill>
-              </a:rPr>
-              <a:t>);</a:t>
-            </a:r>
-            <a:r>
-              <a:rPr lang="en-US" altLang="ja-JP" sz="1000" dirty="0" smtClean="0">
-                <a:solidFill>
-                  <a:schemeClr val="tx1"/>
-                </a:solidFill>
-              </a:rPr>
-              <a:t>02:</a:t>
-            </a:r>
-            <a:r>
-              <a:rPr lang="ja-JP" altLang="en-US" sz="1000" dirty="0" smtClean="0">
-                <a:solidFill>
-                  <a:schemeClr val="tx1"/>
-                </a:solidFill>
-              </a:rPr>
-              <a:t>行</a:t>
-            </a:r>
-            <a:r>
-              <a:rPr lang="ja-JP" altLang="en-US" sz="1000" dirty="0">
-                <a:solidFill>
-                  <a:schemeClr val="tx1"/>
-                </a:solidFill>
-              </a:rPr>
-              <a:t>の</a:t>
-            </a:r>
-            <a:r>
-              <a:rPr lang="ja-JP" altLang="en-US" sz="1000" dirty="0" smtClean="0">
-                <a:solidFill>
-                  <a:schemeClr val="tx1"/>
-                </a:solidFill>
-              </a:rPr>
-              <a:t>情報</a:t>
-            </a:r>
-            <a:r>
-              <a:rPr lang="ja-JP" altLang="en-US" sz="1000" dirty="0" smtClean="0">
-                <a:solidFill>
-                  <a:schemeClr val="tx1"/>
-                </a:solidFill>
-              </a:rPr>
-              <a:t>を</a:t>
-            </a:r>
-            <a:r>
-              <a:rPr lang="ja-JP" altLang="en-US" sz="1000" dirty="0" smtClean="0">
-                <a:solidFill>
-                  <a:schemeClr val="tx1"/>
-                </a:solidFill>
-              </a:rPr>
-              <a:t>引き継ぐ</a:t>
-            </a:r>
-            <a:r>
-              <a:rPr lang="en-US" altLang="ja-JP" sz="1000" dirty="0" smtClean="0">
-                <a:solidFill>
-                  <a:schemeClr val="tx1"/>
-                </a:solidFill>
-              </a:rPr>
-              <a:t>(Row info Only);</a:t>
-            </a:r>
-            <a:r>
-              <a:rPr lang="en-US" altLang="ja-JP" sz="1000" dirty="0" smtClean="0">
-                <a:solidFill>
-                  <a:schemeClr val="tx1"/>
-                </a:solidFill>
-              </a:rPr>
-              <a:t>03:</a:t>
-            </a:r>
-            <a:r>
-              <a:rPr lang="ja-JP" altLang="en-US" sz="1000" dirty="0" smtClean="0">
-                <a:solidFill>
-                  <a:schemeClr val="tx1"/>
-                </a:solidFill>
-              </a:rPr>
-              <a:t>列と</a:t>
-            </a:r>
-            <a:r>
-              <a:rPr lang="ja-JP" altLang="en-US" sz="1000" dirty="0" smtClean="0">
-                <a:solidFill>
-                  <a:schemeClr val="tx1"/>
-                </a:solidFill>
-              </a:rPr>
-              <a:t>行の情報</a:t>
-            </a:r>
-            <a:r>
-              <a:rPr lang="ja-JP" altLang="en-US" sz="1000" dirty="0" smtClean="0">
-                <a:solidFill>
-                  <a:schemeClr val="tx1"/>
-                </a:solidFill>
-              </a:rPr>
-              <a:t>を</a:t>
-            </a:r>
-            <a:r>
-              <a:rPr lang="ja-JP" altLang="en-US" sz="1000" dirty="0" smtClean="0">
-                <a:solidFill>
-                  <a:schemeClr val="tx1"/>
-                </a:solidFill>
-              </a:rPr>
-              <a:t>引き継ぐ</a:t>
-            </a:r>
-            <a:r>
-              <a:rPr lang="en-US" altLang="ja-JP" sz="1000" dirty="0" smtClean="0">
-                <a:solidFill>
-                  <a:schemeClr val="tx1"/>
-                </a:solidFill>
-              </a:rPr>
-              <a:t>(Column and Row info);}</a:t>
+              <a:t>。</a:t>
             </a:r>
             <a:endParaRPr lang="en-US" altLang="ja-JP" sz="1000" dirty="0" smtClean="0">
               <a:solidFill>
@@ -6913,27 +6745,7 @@
                 <a:latin typeface="HGPｺﾞｼｯｸM" pitchFamily="50" charset="-128"/>
                 <a:ea typeface="HGPｺﾞｼｯｸM" pitchFamily="50" charset="-128"/>
               </a:rPr>
-              <a:t>クイック</a:t>
-            </a:r>
-            <a:r>
-              <a:rPr lang="ja-JP" altLang="en-US" sz="800" dirty="0" smtClean="0">
-                <a:solidFill>
-                  <a:schemeClr val="tx1"/>
-                </a:solidFill>
-                <a:latin typeface="HGPｺﾞｼｯｸM" pitchFamily="50" charset="-128"/>
-                <a:ea typeface="HGPｺﾞｼｯｸM" pitchFamily="50" charset="-128"/>
-              </a:rPr>
-              <a:t>入力情報引継</a:t>
-            </a:r>
-            <a:r>
-              <a:rPr lang="ja-JP" altLang="en-US" sz="800" dirty="0" smtClean="0">
-                <a:solidFill>
-                  <a:schemeClr val="tx1"/>
-                </a:solidFill>
-                <a:latin typeface="HGPｺﾞｼｯｸM" pitchFamily="50" charset="-128"/>
-                <a:ea typeface="HGPｺﾞｼｯｸM" pitchFamily="50" charset="-128"/>
-              </a:rPr>
-              <a:t>設定</a:t>
+              <a:t>クイック入力情報引継設定</a:t>
             </a:r>
             <a:endParaRPr lang="ja-JP" altLang="en-US" sz="800" dirty="0">
               <a:solidFill>
@@ -7001,6 +6813,372 @@
                 <a:cs typeface="Meiryo UI" pitchFamily="50" charset="-128"/>
               </a:rPr>
               <a:t>▼</a:t>
+            </a:r>
+          </a:p>
+        </p:txBody>
+      </p:sp>
+      <p:sp>
+        <p:nvSpPr>
+          <p:cNvPr id="84" name="コンテンツ プレースホルダー 2"/>
+          <p:cNvSpPr txBox="1">
+            <a:spLocks/>
+          </p:cNvSpPr>
+          <p:nvPr/>
+        </p:nvSpPr>
+        <p:spPr>
+          <a:xfrm>
+            <a:off x="251520" y="5733288"/>
+            <a:ext cx="5111178" cy="792056"/>
+          </a:xfrm>
+          <a:prstGeom prst="rect">
+            <a:avLst/>
+          </a:prstGeom>
+          <a:noFill/>
+          <a:ln>
+            <a:noFill/>
+          </a:ln>
+        </p:spPr>
+        <p:style>
+          <a:lnRef idx="2">
+            <a:schemeClr val="accent1">
+              <a:shade val="50000"/>
+            </a:schemeClr>
+          </a:lnRef>
+          <a:fillRef idx="1">
+            <a:schemeClr val="accent1"/>
+          </a:fillRef>
+          <a:effectRef idx="0">
+            <a:schemeClr val="accent1"/>
+          </a:effectRef>
+          <a:fontRef idx="minor">
+            <a:schemeClr val="lt1"/>
+          </a:fontRef>
+        </p:style>
+        <p:txBody>
+          <a:bodyPr rtlCol="0" anchor="t"/>
+          <a:lstStyle>
+            <a:defPPr>
+              <a:defRPr lang="ja-JP"/>
+            </a:defPPr>
+            <a:lvl1pPr marL="0" indent="0" algn="just" eaLnBrk="1" hangingPunct="1">
+              <a:lnSpc>
+                <a:spcPct val="120000"/>
+              </a:lnSpc>
+              <a:spcBef>
+                <a:spcPts val="1200"/>
+              </a:spcBef>
+              <a:buNone/>
+              <a:defRPr sz="1800" kern="0">
+                <a:latin typeface="メイリオ" panose="020B0604030504040204" pitchFamily="50" charset="-128"/>
+                <a:ea typeface="メイリオ" panose="020B0604030504040204" pitchFamily="50" charset="-128"/>
+                <a:cs typeface="メイリオ" panose="020B0604030504040204" pitchFamily="50" charset="-128"/>
+              </a:defRPr>
+            </a:lvl1pPr>
+            <a:lvl2pPr>
+              <a:defRPr>
+                <a:solidFill>
+                  <a:schemeClr val="lt1"/>
+                </a:solidFill>
+                <a:latin typeface="+mn-lt"/>
+                <a:ea typeface="+mn-ea"/>
+              </a:defRPr>
+            </a:lvl2pPr>
+            <a:lvl3pPr>
+              <a:defRPr>
+                <a:solidFill>
+                  <a:schemeClr val="lt1"/>
+                </a:solidFill>
+                <a:latin typeface="+mn-lt"/>
+                <a:ea typeface="+mn-ea"/>
+              </a:defRPr>
+            </a:lvl3pPr>
+            <a:lvl4pPr>
+              <a:defRPr>
+                <a:solidFill>
+                  <a:schemeClr val="lt1"/>
+                </a:solidFill>
+                <a:latin typeface="+mn-lt"/>
+                <a:ea typeface="+mn-ea"/>
+              </a:defRPr>
+            </a:lvl4pPr>
+            <a:lvl5pPr>
+              <a:defRPr>
+                <a:solidFill>
+                  <a:schemeClr val="lt1"/>
+                </a:solidFill>
+                <a:latin typeface="+mn-lt"/>
+                <a:ea typeface="+mn-ea"/>
+              </a:defRPr>
+            </a:lvl5pPr>
+            <a:lvl6pPr>
+              <a:defRPr>
+                <a:solidFill>
+                  <a:schemeClr val="lt1"/>
+                </a:solidFill>
+                <a:latin typeface="+mn-lt"/>
+                <a:ea typeface="+mn-ea"/>
+              </a:defRPr>
+            </a:lvl6pPr>
+            <a:lvl7pPr>
+              <a:defRPr>
+                <a:solidFill>
+                  <a:schemeClr val="lt1"/>
+                </a:solidFill>
+                <a:latin typeface="+mn-lt"/>
+                <a:ea typeface="+mn-ea"/>
+              </a:defRPr>
+            </a:lvl7pPr>
+            <a:lvl8pPr>
+              <a:defRPr>
+                <a:solidFill>
+                  <a:schemeClr val="lt1"/>
+                </a:solidFill>
+                <a:latin typeface="+mn-lt"/>
+                <a:ea typeface="+mn-ea"/>
+              </a:defRPr>
+            </a:lvl8pPr>
+            <a:lvl9pPr>
+              <a:defRPr>
+                <a:solidFill>
+                  <a:schemeClr val="lt1"/>
+                </a:solidFill>
+                <a:latin typeface="+mn-lt"/>
+                <a:ea typeface="+mn-ea"/>
+              </a:defRPr>
+            </a:lvl9pPr>
+          </a:lstStyle>
+          <a:p>
+            <a:pPr>
+              <a:spcBef>
+                <a:spcPts val="0"/>
+              </a:spcBef>
+            </a:pPr>
+            <a:r>
+              <a:rPr lang="en-US" altLang="ja-JP" sz="900" dirty="0" smtClean="0">
+                <a:solidFill>
+                  <a:schemeClr val="tx1"/>
+                </a:solidFill>
+              </a:rPr>
+              <a:t>※</a:t>
+            </a:r>
+            <a:r>
+              <a:rPr lang="ja-JP" altLang="en-US" sz="900" dirty="0" smtClean="0">
+                <a:solidFill>
+                  <a:schemeClr val="tx1"/>
+                </a:solidFill>
+              </a:rPr>
+              <a:t>クイック入力情報引継設定の選択リスト</a:t>
+            </a:r>
+            <a:r>
+              <a:rPr lang="en-US" altLang="ja-JP" sz="900" dirty="0">
+                <a:solidFill>
+                  <a:schemeClr val="tx1"/>
+                </a:solidFill>
+              </a:rPr>
+              <a:t>(JP </a:t>
+            </a:r>
+            <a:r>
+              <a:rPr lang="en-US" altLang="ja-JP" sz="900" dirty="0" err="1" smtClean="0">
+                <a:solidFill>
+                  <a:schemeClr val="tx1"/>
+                </a:solidFill>
+              </a:rPr>
+              <a:t>QuickEntryConf</a:t>
+            </a:r>
+            <a:r>
+              <a:rPr lang="en-US" altLang="ja-JP" sz="900" dirty="0" smtClean="0">
+                <a:solidFill>
+                  <a:schemeClr val="tx1"/>
+                </a:solidFill>
+              </a:rPr>
+              <a:t>:</a:t>
+            </a:r>
+            <a:r>
+              <a:rPr lang="ja-JP" altLang="en-US" sz="900" dirty="0" smtClean="0">
+                <a:solidFill>
+                  <a:schemeClr val="tx1"/>
+                </a:solidFill>
+              </a:rPr>
+              <a:t>クイック入力情報引継リスト</a:t>
+            </a:r>
+            <a:r>
+              <a:rPr lang="en-US" altLang="ja-JP" sz="900" dirty="0" smtClean="0">
+                <a:solidFill>
+                  <a:schemeClr val="tx1"/>
+                </a:solidFill>
+              </a:rPr>
+              <a:t>)</a:t>
+            </a:r>
+          </a:p>
+          <a:p>
+            <a:pPr marL="171450" indent="-171450">
+              <a:spcBef>
+                <a:spcPts val="0"/>
+              </a:spcBef>
+              <a:buFont typeface="Arial" panose="020B0604020202020204" pitchFamily="34" charset="0"/>
+              <a:buChar char="•"/>
+            </a:pPr>
+            <a:r>
+              <a:rPr lang="en-US" altLang="ja-JP" sz="900" dirty="0" smtClean="0">
+                <a:solidFill>
+                  <a:schemeClr val="tx1"/>
+                </a:solidFill>
+              </a:rPr>
+              <a:t>01</a:t>
+            </a:r>
+            <a:r>
+              <a:rPr lang="en-US" altLang="ja-JP" sz="900" dirty="0" smtClean="0">
+                <a:solidFill>
+                  <a:schemeClr val="tx1"/>
+                </a:solidFill>
+              </a:rPr>
+              <a:t>:</a:t>
+            </a:r>
+            <a:r>
+              <a:rPr lang="ja-JP" altLang="en-US" sz="900" dirty="0" smtClean="0">
+                <a:solidFill>
+                  <a:schemeClr val="tx1"/>
+                </a:solidFill>
+              </a:rPr>
+              <a:t>列の情報を引き継ぐ</a:t>
+            </a:r>
+            <a:r>
+              <a:rPr lang="en-US" altLang="ja-JP" sz="900" dirty="0" smtClean="0">
+                <a:solidFill>
+                  <a:schemeClr val="tx1"/>
+                </a:solidFill>
+              </a:rPr>
+              <a:t>(Column</a:t>
+            </a:r>
+            <a:r>
+              <a:rPr lang="ja-JP" altLang="en-US" sz="900" dirty="0">
+                <a:solidFill>
+                  <a:schemeClr val="tx1"/>
+                </a:solidFill>
+              </a:rPr>
+              <a:t> </a:t>
+            </a:r>
+            <a:r>
+              <a:rPr lang="en-US" altLang="ja-JP" sz="900" dirty="0" smtClean="0">
+                <a:solidFill>
+                  <a:schemeClr val="tx1"/>
+                </a:solidFill>
+              </a:rPr>
+              <a:t>info only</a:t>
+            </a:r>
+            <a:r>
+              <a:rPr lang="en-US" altLang="ja-JP" sz="900" dirty="0" smtClean="0">
+                <a:solidFill>
+                  <a:schemeClr val="tx1"/>
+                </a:solidFill>
+              </a:rPr>
+              <a:t>);</a:t>
+            </a:r>
+          </a:p>
+          <a:p>
+            <a:pPr marL="171450" indent="-171450">
+              <a:spcBef>
+                <a:spcPts val="0"/>
+              </a:spcBef>
+              <a:buFont typeface="Arial" panose="020B0604020202020204" pitchFamily="34" charset="0"/>
+              <a:buChar char="•"/>
+            </a:pPr>
+            <a:r>
+              <a:rPr lang="en-US" altLang="ja-JP" sz="900" dirty="0" smtClean="0">
+                <a:solidFill>
+                  <a:schemeClr val="tx1"/>
+                </a:solidFill>
+              </a:rPr>
+              <a:t>02</a:t>
+            </a:r>
+            <a:r>
+              <a:rPr lang="en-US" altLang="ja-JP" sz="900" dirty="0" smtClean="0">
+                <a:solidFill>
+                  <a:schemeClr val="tx1"/>
+                </a:solidFill>
+              </a:rPr>
+              <a:t>:</a:t>
+            </a:r>
+            <a:r>
+              <a:rPr lang="ja-JP" altLang="en-US" sz="900" dirty="0" smtClean="0">
+                <a:solidFill>
+                  <a:schemeClr val="tx1"/>
+                </a:solidFill>
+              </a:rPr>
+              <a:t>行</a:t>
+            </a:r>
+            <a:r>
+              <a:rPr lang="ja-JP" altLang="en-US" sz="900" dirty="0">
+                <a:solidFill>
+                  <a:schemeClr val="tx1"/>
+                </a:solidFill>
+              </a:rPr>
+              <a:t>の</a:t>
+            </a:r>
+            <a:r>
+              <a:rPr lang="ja-JP" altLang="en-US" sz="900" dirty="0" smtClean="0">
+                <a:solidFill>
+                  <a:schemeClr val="tx1"/>
+                </a:solidFill>
+              </a:rPr>
+              <a:t>情報を引き継ぐ</a:t>
+            </a:r>
+            <a:r>
+              <a:rPr lang="en-US" altLang="ja-JP" sz="900" dirty="0" smtClean="0">
+                <a:solidFill>
+                  <a:schemeClr val="tx1"/>
+                </a:solidFill>
+              </a:rPr>
+              <a:t>(Row info Only</a:t>
+            </a:r>
+            <a:r>
+              <a:rPr lang="en-US" altLang="ja-JP" sz="900" dirty="0" smtClean="0">
+                <a:solidFill>
+                  <a:schemeClr val="tx1"/>
+                </a:solidFill>
+              </a:rPr>
+              <a:t>);</a:t>
+            </a:r>
+          </a:p>
+          <a:p>
+            <a:pPr marL="171450" indent="-171450">
+              <a:spcBef>
+                <a:spcPts val="0"/>
+              </a:spcBef>
+              <a:buFont typeface="Arial" panose="020B0604020202020204" pitchFamily="34" charset="0"/>
+              <a:buChar char="•"/>
+            </a:pPr>
+            <a:r>
+              <a:rPr lang="en-US" altLang="ja-JP" sz="900" dirty="0" smtClean="0">
+                <a:solidFill>
+                  <a:schemeClr val="tx1"/>
+                </a:solidFill>
+              </a:rPr>
+              <a:t>03</a:t>
+            </a:r>
+            <a:r>
+              <a:rPr lang="en-US" altLang="ja-JP" sz="900" dirty="0" smtClean="0">
+                <a:solidFill>
+                  <a:schemeClr val="tx1"/>
+                </a:solidFill>
+              </a:rPr>
+              <a:t>:</a:t>
+            </a:r>
+            <a:r>
+              <a:rPr lang="ja-JP" altLang="en-US" sz="900" dirty="0" smtClean="0">
+                <a:solidFill>
+                  <a:schemeClr val="tx1"/>
+                </a:solidFill>
+              </a:rPr>
+              <a:t>列と行の情報を引き継ぐ</a:t>
+            </a:r>
+            <a:r>
+              <a:rPr lang="en-US" altLang="ja-JP" sz="900" dirty="0" smtClean="0">
+                <a:solidFill>
+                  <a:schemeClr val="tx1"/>
+                </a:solidFill>
+              </a:rPr>
+              <a:t>(Column and Row info);}</a:t>
             </a:r>
           </a:p>
         </p:txBody>
@@ -20445,27 +20623,7 @@
                 <a:latin typeface="HGPｺﾞｼｯｸM" pitchFamily="50" charset="-128"/>
                 <a:ea typeface="HGPｺﾞｼｯｸM" pitchFamily="50" charset="-128"/>
               </a:rPr>
-              <a:t>クイック</a:t>
-            </a:r>
-            <a:r>
-              <a:rPr lang="ja-JP" altLang="en-US" sz="800" dirty="0" smtClean="0">
-                <a:solidFill>
-                  <a:schemeClr val="tx1"/>
-                </a:solidFill>
-                <a:latin typeface="HGPｺﾞｼｯｸM" pitchFamily="50" charset="-128"/>
-                <a:ea typeface="HGPｺﾞｼｯｸM" pitchFamily="50" charset="-128"/>
-              </a:rPr>
-              <a:t>入力情報引継</a:t>
-            </a:r>
-            <a:r>
-              <a:rPr lang="ja-JP" altLang="en-US" sz="800" dirty="0" smtClean="0">
-                <a:solidFill>
-                  <a:schemeClr val="tx1"/>
-                </a:solidFill>
-                <a:latin typeface="HGPｺﾞｼｯｸM" pitchFamily="50" charset="-128"/>
-                <a:ea typeface="HGPｺﾞｼｯｸM" pitchFamily="50" charset="-128"/>
-              </a:rPr>
-              <a:t>設定</a:t>
+              <a:t>クイック入力情報引継設定</a:t>
             </a:r>
             <a:endParaRPr lang="ja-JP" altLang="en-US" sz="800" dirty="0">
               <a:solidFill>

--- a/Doc/JPIERE-0098_�}�g���N�X�E�B���h�E.pptx
+++ b/Doc/JPIERE-0098_�}�g���N�X�E�B���h�E.pptx
@@ -5997,7 +5997,15 @@
                   <a:schemeClr val="tx1"/>
                 </a:solidFill>
               </a:rPr>
-              <a:t>クイック入力情報引継設定</a:t>
+              <a:t>クイック</a:t>
+            </a:r>
+            <a:r>
+              <a:rPr lang="ja-JP" altLang="en-US" sz="1000" u="sng" dirty="0" smtClean="0">
+                <a:solidFill>
+                  <a:schemeClr val="tx1"/>
+                </a:solidFill>
+              </a:rPr>
+              <a:t>入力引継情報設定</a:t>
             </a:r>
             <a:r>
               <a:rPr lang="en-US" altLang="ja-JP" sz="1000" dirty="0" smtClean="0">
@@ -6745,7 +6753,17 @@
                 <a:latin typeface="HGPｺﾞｼｯｸM" pitchFamily="50" charset="-128"/>
                 <a:ea typeface="HGPｺﾞｼｯｸM" pitchFamily="50" charset="-128"/>
               </a:rPr>
-              <a:t>クイック入力情報引継設定</a:t>
+              <a:t>クイック</a:t>
+            </a:r>
+            <a:r>
+              <a:rPr lang="ja-JP" altLang="en-US" sz="800" dirty="0" smtClean="0">
+                <a:solidFill>
+                  <a:schemeClr val="tx1"/>
+                </a:solidFill>
+                <a:latin typeface="HGPｺﾞｼｯｸM" pitchFamily="50" charset="-128"/>
+                <a:ea typeface="HGPｺﾞｼｯｸM" pitchFamily="50" charset="-128"/>
+              </a:rPr>
+              <a:t>入力引継設情報定</a:t>
             </a:r>
             <a:endParaRPr lang="ja-JP" altLang="en-US" sz="800" dirty="0">
               <a:solidFill>
@@ -6967,7 +6985,7 @@
                   <a:schemeClr val="tx1"/>
                 </a:solidFill>
               </a:rPr>
-              <a:t>クイック入力情報引継設定の選択リスト</a:t>
+              <a:t>クイック入力引継情報選択の選択リスト</a:t>
             </a:r>
             <a:r>
               <a:rPr lang="en-US" altLang="ja-JP" sz="900" dirty="0">
@@ -7072,7 +7090,7 @@
                   <a:schemeClr val="tx1"/>
                 </a:solidFill>
               </a:rPr>
-              <a:t>);</a:t>
+              <a:t>)</a:t>
             </a:r>
           </a:p>
           <a:p>
@@ -7137,7 +7155,7 @@
                   <a:schemeClr val="tx1"/>
                 </a:solidFill>
               </a:rPr>
-              <a:t>);</a:t>
+              <a:t>)</a:t>
             </a:r>
           </a:p>
           <a:p>
@@ -7178,8 +7196,21 @@
                   <a:schemeClr val="tx1"/>
                 </a:solidFill>
               </a:rPr>
-              <a:t>(Column and Row info);}</a:t>
-            </a:r>
+              <a:t>(Column and Row info</a:t>
+            </a:r>
+            <a:r>
+              <a:rPr lang="en-US" altLang="ja-JP" sz="900" dirty="0" smtClean="0">
+                <a:solidFill>
+                  <a:schemeClr val="tx1"/>
+                </a:solidFill>
+              </a:rPr>
+              <a:t>)</a:t>
+            </a:r>
+            <a:endParaRPr lang="en-US" altLang="ja-JP" sz="900" dirty="0" smtClean="0">
+              <a:solidFill>
+                <a:schemeClr val="tx1"/>
+              </a:solidFill>
+            </a:endParaRPr>
           </a:p>
         </p:txBody>
       </p:sp>
@@ -19354,7 +19385,7 @@
                   <a:schemeClr val="tx1"/>
                 </a:solidFill>
               </a:rPr>
-              <a:t>デフォルト</a:t>
+              <a:t>必須。デフォルト</a:t>
             </a:r>
             <a:r>
               <a:rPr lang="en-US" altLang="ja-JP" sz="1050" dirty="0" smtClean="0">
@@ -19365,7 +19396,31 @@
               <a:t>20</a:t>
             </a:r>
             <a:r>
-              <a:rPr lang="ja-JP" altLang="en-US" sz="1050" dirty="0" err="1">
+              <a:rPr lang="ja-JP" altLang="en-US" sz="1050" dirty="0" err="1" smtClean="0">
+                <a:solidFill>
+                  <a:schemeClr val="tx1"/>
+                </a:solidFill>
+              </a:rPr>
+              <a:t>。</a:t>
+            </a:r>
+            <a:r>
+              <a:rPr lang="ja-JP" altLang="en-US" sz="1050" dirty="0" smtClean="0">
+                <a:solidFill>
+                  <a:schemeClr val="tx1"/>
+                </a:solidFill>
+              </a:rPr>
+              <a:t>リファレンス</a:t>
+            </a:r>
+            <a:r>
+              <a:rPr lang="en-US" altLang="ja-JP" sz="1050" dirty="0" smtClean="0">
+                <a:solidFill>
+                  <a:schemeClr val="tx1"/>
+                </a:solidFill>
+              </a:rPr>
+              <a:t>:Integer</a:t>
+            </a:r>
+            <a:r>
+              <a:rPr lang="ja-JP" altLang="en-US" sz="1050" dirty="0" err="1" smtClean="0">
                 <a:solidFill>
                   <a:schemeClr val="tx1"/>
                 </a:solidFill>
@@ -20623,7 +20678,17 @@
                 <a:latin typeface="HGPｺﾞｼｯｸM" pitchFamily="50" charset="-128"/>
                 <a:ea typeface="HGPｺﾞｼｯｸM" pitchFamily="50" charset="-128"/>
               </a:rPr>
-              <a:t>クイック入力情報引継設定</a:t>
+              <a:t>クイック</a:t>
+            </a:r>
+            <a:r>
+              <a:rPr lang="ja-JP" altLang="en-US" sz="800" dirty="0" smtClean="0">
+                <a:solidFill>
+                  <a:schemeClr val="tx1"/>
+                </a:solidFill>
+                <a:latin typeface="HGPｺﾞｼｯｸM" pitchFamily="50" charset="-128"/>
+                <a:ea typeface="HGPｺﾞｼｯｸM" pitchFamily="50" charset="-128"/>
+              </a:rPr>
+              <a:t>入力引継情報設定</a:t>
             </a:r>
             <a:endParaRPr lang="ja-JP" altLang="en-US" sz="800" dirty="0">
               <a:solidFill>

--- a/Doc/JPIERE-0098_�}�g���N�X�E�B���h�E.pptx
+++ b/Doc/JPIERE-0098_�}�g���N�X�E�B���h�E.pptx
@@ -2012,7 +2012,7 @@
           <a:p>
             <a:fld id="{D2B9E0EA-6101-4826-8EB2-593C6C3A4928}" type="datetimeFigureOut">
               <a:rPr kumimoji="1" lang="ja-JP" altLang="en-US" smtClean="0"/>
-              <a:t>2015/7/28</a:t>
+              <a:t>2015/7/29</a:t>
             </a:fld>
             <a:endParaRPr kumimoji="1" lang="ja-JP" altLang="en-US"/>
           </a:p>
@@ -5997,15 +5997,7 @@
                   <a:schemeClr val="tx1"/>
                 </a:solidFill>
               </a:rPr>
-              <a:t>クイック</a:t>
-            </a:r>
-            <a:r>
-              <a:rPr lang="ja-JP" altLang="en-US" sz="1000" u="sng" dirty="0" smtClean="0">
-                <a:solidFill>
-                  <a:schemeClr val="tx1"/>
-                </a:solidFill>
-              </a:rPr>
-              <a:t>入力引継情報設定</a:t>
+              <a:t>クイック入力引継情報設定</a:t>
             </a:r>
             <a:r>
               <a:rPr lang="en-US" altLang="ja-JP" sz="1000" dirty="0" smtClean="0">
@@ -6021,15 +6013,7 @@
                   <a:schemeClr val="tx1"/>
                 </a:solidFill>
               </a:rPr>
-              <a:t>連続してクリック入力ウィンドウでデータを登録する際に、直前で入力した値を引き継いで入力するかどうか設定する事ができます</a:t>
-            </a:r>
-            <a:r>
-              <a:rPr lang="ja-JP" altLang="en-US" sz="1000" dirty="0" smtClean="0">
-                <a:solidFill>
-                  <a:schemeClr val="tx1"/>
-                </a:solidFill>
-              </a:rPr>
-              <a:t>。</a:t>
+              <a:t>連続してクリック入力ウィンドウでデータを登録する際に、直前で入力した値を引き継いで入力するかどうか設定する事ができます。</a:t>
             </a:r>
             <a:endParaRPr lang="en-US" altLang="ja-JP" sz="1000" dirty="0" smtClean="0">
               <a:solidFill>
@@ -6753,17 +6737,7 @@
                 <a:latin typeface="HGPｺﾞｼｯｸM" pitchFamily="50" charset="-128"/>
                 <a:ea typeface="HGPｺﾞｼｯｸM" pitchFamily="50" charset="-128"/>
               </a:rPr>
-              <a:t>クイック</a:t>
-            </a:r>
-            <a:r>
-              <a:rPr lang="ja-JP" altLang="en-US" sz="800" dirty="0" smtClean="0">
-                <a:solidFill>
-                  <a:schemeClr val="tx1"/>
-                </a:solidFill>
-                <a:latin typeface="HGPｺﾞｼｯｸM" pitchFamily="50" charset="-128"/>
-                <a:ea typeface="HGPｺﾞｼｯｸM" pitchFamily="50" charset="-128"/>
-              </a:rPr>
-              <a:t>入力引継設情報定</a:t>
+              <a:t>クイック入力引継設情報定</a:t>
             </a:r>
             <a:endParaRPr lang="ja-JP" altLang="en-US" sz="800" dirty="0">
               <a:solidFill>
@@ -7042,7 +7016,15 @@
                   <a:schemeClr val="tx1"/>
                 </a:solidFill>
               </a:rPr>
-              <a:t>01</a:t>
+              <a:t>01:</a:t>
+            </a:r>
+            <a:r>
+              <a:rPr lang="ja-JP" altLang="en-US" sz="900" dirty="0" smtClean="0">
+                <a:solidFill>
+                  <a:schemeClr val="tx1"/>
+                </a:solidFill>
+              </a:rPr>
+              <a:t>列の情報を引き継ぐ</a:t>
             </a:r>
             <a:r>
               <a:rPr lang="en-US" altLang="ja-JP" sz="900" dirty="0" smtClean="0">
@@ -7050,15 +7032,15 @@
                   <a:schemeClr val="tx1"/>
                 </a:solidFill>
               </a:rPr>
-              <a:t>:</a:t>
-            </a:r>
-            <a:r>
-              <a:rPr lang="ja-JP" altLang="en-US" sz="900" dirty="0" smtClean="0">
-                <a:solidFill>
-                  <a:schemeClr val="tx1"/>
-                </a:solidFill>
-              </a:rPr>
-              <a:t>列の情報を引き継ぐ</a:t>
+              <a:t>(Column</a:t>
+            </a:r>
+            <a:r>
+              <a:rPr lang="ja-JP" altLang="en-US" sz="900" dirty="0">
+                <a:solidFill>
+                  <a:schemeClr val="tx1"/>
+                </a:solidFill>
+              </a:rPr>
+              <a:t> </a:t>
             </a:r>
             <a:r>
               <a:rPr lang="en-US" altLang="ja-JP" sz="900" dirty="0" smtClean="0">
@@ -7066,31 +7048,7 @@
                   <a:schemeClr val="tx1"/>
                 </a:solidFill>
               </a:rPr>
-              <a:t>(Column</a:t>
-            </a:r>
-            <a:r>
-              <a:rPr lang="ja-JP" altLang="en-US" sz="900" dirty="0">
-                <a:solidFill>
-                  <a:schemeClr val="tx1"/>
-                </a:solidFill>
-              </a:rPr>
-              <a:t> </a:t>
-            </a:r>
-            <a:r>
-              <a:rPr lang="en-US" altLang="ja-JP" sz="900" dirty="0" smtClean="0">
-                <a:solidFill>
-                  <a:schemeClr val="tx1"/>
-                </a:solidFill>
-              </a:rPr>
-              <a:t>info only</a:t>
-            </a:r>
-            <a:r>
-              <a:rPr lang="en-US" altLang="ja-JP" sz="900" dirty="0" smtClean="0">
-                <a:solidFill>
-                  <a:schemeClr val="tx1"/>
-                </a:solidFill>
-              </a:rPr>
-              <a:t>)</a:t>
+              <a:t>info only)</a:t>
             </a:r>
           </a:p>
           <a:p>
@@ -7107,7 +7065,31 @@
                   <a:schemeClr val="tx1"/>
                 </a:solidFill>
               </a:rPr>
-              <a:t>02</a:t>
+              <a:t>02:</a:t>
+            </a:r>
+            <a:r>
+              <a:rPr lang="ja-JP" altLang="en-US" sz="900" dirty="0" smtClean="0">
+                <a:solidFill>
+                  <a:schemeClr val="tx1"/>
+                </a:solidFill>
+              </a:rPr>
+              <a:t>行</a:t>
+            </a:r>
+            <a:r>
+              <a:rPr lang="ja-JP" altLang="en-US" sz="900" dirty="0">
+                <a:solidFill>
+                  <a:schemeClr val="tx1"/>
+                </a:solidFill>
+              </a:rPr>
+              <a:t>の</a:t>
+            </a:r>
+            <a:r>
+              <a:rPr lang="ja-JP" altLang="en-US" sz="900" dirty="0" smtClean="0">
+                <a:solidFill>
+                  <a:schemeClr val="tx1"/>
+                </a:solidFill>
+              </a:rPr>
+              <a:t>情報を引き継ぐ</a:t>
             </a:r>
             <a:r>
               <a:rPr lang="en-US" altLang="ja-JP" sz="900" dirty="0" smtClean="0">
@@ -7115,47 +7097,7 @@
                   <a:schemeClr val="tx1"/>
                 </a:solidFill>
               </a:rPr>
-              <a:t>:</a:t>
-            </a:r>
-            <a:r>
-              <a:rPr lang="ja-JP" altLang="en-US" sz="900" dirty="0" smtClean="0">
-                <a:solidFill>
-                  <a:schemeClr val="tx1"/>
-                </a:solidFill>
-              </a:rPr>
-              <a:t>行</a:t>
-            </a:r>
-            <a:r>
-              <a:rPr lang="ja-JP" altLang="en-US" sz="900" dirty="0">
-                <a:solidFill>
-                  <a:schemeClr val="tx1"/>
-                </a:solidFill>
-              </a:rPr>
-              <a:t>の</a:t>
-            </a:r>
-            <a:r>
-              <a:rPr lang="ja-JP" altLang="en-US" sz="900" dirty="0" smtClean="0">
-                <a:solidFill>
-                  <a:schemeClr val="tx1"/>
-                </a:solidFill>
-              </a:rPr>
-              <a:t>情報を引き継ぐ</a:t>
-            </a:r>
-            <a:r>
-              <a:rPr lang="en-US" altLang="ja-JP" sz="900" dirty="0" smtClean="0">
-                <a:solidFill>
-                  <a:schemeClr val="tx1"/>
-                </a:solidFill>
-              </a:rPr>
-              <a:t>(Row info Only</a:t>
-            </a:r>
-            <a:r>
-              <a:rPr lang="en-US" altLang="ja-JP" sz="900" dirty="0" smtClean="0">
-                <a:solidFill>
-                  <a:schemeClr val="tx1"/>
-                </a:solidFill>
-              </a:rPr>
-              <a:t>)</a:t>
+              <a:t>(Row info Only)</a:t>
             </a:r>
           </a:p>
           <a:p>
@@ -7172,7 +7114,15 @@
                   <a:schemeClr val="tx1"/>
                 </a:solidFill>
               </a:rPr>
-              <a:t>03</a:t>
+              <a:t>03:</a:t>
+            </a:r>
+            <a:r>
+              <a:rPr lang="ja-JP" altLang="en-US" sz="900" dirty="0" smtClean="0">
+                <a:solidFill>
+                  <a:schemeClr val="tx1"/>
+                </a:solidFill>
+              </a:rPr>
+              <a:t>列と行の情報を引き継ぐ</a:t>
             </a:r>
             <a:r>
               <a:rPr lang="en-US" altLang="ja-JP" sz="900" dirty="0" smtClean="0">
@@ -7180,37 +7130,8 @@
                   <a:schemeClr val="tx1"/>
                 </a:solidFill>
               </a:rPr>
-              <a:t>:</a:t>
-            </a:r>
-            <a:r>
-              <a:rPr lang="ja-JP" altLang="en-US" sz="900" dirty="0" smtClean="0">
-                <a:solidFill>
-                  <a:schemeClr val="tx1"/>
-                </a:solidFill>
-              </a:rPr>
-              <a:t>列と行の情報を引き継ぐ</a:t>
-            </a:r>
-            <a:r>
-              <a:rPr lang="en-US" altLang="ja-JP" sz="900" dirty="0" smtClean="0">
-                <a:solidFill>
-                  <a:schemeClr val="tx1"/>
-                </a:solidFill>
-              </a:rPr>
-              <a:t>(Column and Row info</a:t>
-            </a:r>
-            <a:r>
-              <a:rPr lang="en-US" altLang="ja-JP" sz="900" dirty="0" smtClean="0">
-                <a:solidFill>
-                  <a:schemeClr val="tx1"/>
-                </a:solidFill>
-              </a:rPr>
-              <a:t>)</a:t>
-            </a:r>
-            <a:endParaRPr lang="en-US" altLang="ja-JP" sz="900" dirty="0" smtClean="0">
-              <a:solidFill>
-                <a:schemeClr val="tx1"/>
-              </a:solidFill>
-            </a:endParaRPr>
+              <a:t>(Column and Row info)</a:t>
+            </a:r>
           </a:p>
         </p:txBody>
       </p:sp>
@@ -10108,7 +10029,7 @@
         </p:nvSpPr>
         <p:spPr>
           <a:xfrm>
-            <a:off x="251520" y="1412256"/>
+            <a:off x="251520" y="1916312"/>
             <a:ext cx="5112568" cy="720600"/>
           </a:xfrm>
           <a:prstGeom prst="rect">
@@ -10159,7 +10080,7 @@
         </p:nvGrpSpPr>
         <p:grpSpPr>
           <a:xfrm>
-            <a:off x="286777" y="1514321"/>
+            <a:off x="286777" y="2018377"/>
             <a:ext cx="5037932" cy="185935"/>
             <a:chOff x="518802" y="2089641"/>
             <a:chExt cx="8257578" cy="304762"/>
@@ -10969,7 +10890,7 @@
         </p:blipFill>
         <p:spPr>
           <a:xfrm>
-            <a:off x="2915816" y="1810718"/>
+            <a:off x="2915816" y="2314774"/>
             <a:ext cx="279365" cy="279365"/>
           </a:xfrm>
           <a:prstGeom prst="rect">
@@ -10999,7 +10920,7 @@
         </p:blipFill>
         <p:spPr>
           <a:xfrm>
-            <a:off x="5021341" y="1810718"/>
+            <a:off x="5021341" y="2314774"/>
             <a:ext cx="279365" cy="279365"/>
           </a:xfrm>
           <a:prstGeom prst="rect">
@@ -11029,7 +10950,7 @@
         </p:blipFill>
         <p:spPr>
           <a:xfrm>
-            <a:off x="3131840" y="1810718"/>
+            <a:off x="3131840" y="2314774"/>
             <a:ext cx="279365" cy="279365"/>
           </a:xfrm>
           <a:prstGeom prst="rect">
@@ -11059,7 +10980,7 @@
         </p:blipFill>
         <p:spPr>
           <a:xfrm>
-            <a:off x="4796650" y="1810718"/>
+            <a:off x="4796650" y="2314774"/>
             <a:ext cx="279365" cy="279365"/>
           </a:xfrm>
           <a:prstGeom prst="rect">
@@ -11075,7 +10996,7 @@
         </p:nvSpPr>
         <p:spPr bwMode="auto">
           <a:xfrm>
-            <a:off x="3341171" y="1832250"/>
+            <a:off x="3341171" y="2336306"/>
             <a:ext cx="1469566" cy="236300"/>
           </a:xfrm>
           <a:prstGeom prst="rect">
@@ -11130,7 +11051,7 @@
         </p:nvSpPr>
         <p:spPr>
           <a:xfrm>
-            <a:off x="251520" y="2132833"/>
+            <a:off x="251520" y="2636889"/>
             <a:ext cx="5112568" cy="1800223"/>
           </a:xfrm>
           <a:prstGeom prst="rect">
@@ -11181,7 +11102,7 @@
         </p:nvSpPr>
         <p:spPr>
           <a:xfrm>
-            <a:off x="1331800" y="2204864"/>
+            <a:off x="1331800" y="2708920"/>
             <a:ext cx="1440000" cy="216000"/>
           </a:xfrm>
           <a:prstGeom prst="rect">
@@ -11251,7 +11172,7 @@
         </p:nvSpPr>
         <p:spPr>
           <a:xfrm>
-            <a:off x="254087" y="1124744"/>
+            <a:off x="254087" y="1628800"/>
             <a:ext cx="1440000" cy="288000"/>
           </a:xfrm>
           <a:prstGeom prst="snipRoundRect">
@@ -11318,7 +11239,7 @@
         </p:nvSpPr>
         <p:spPr>
           <a:xfrm>
-            <a:off x="243459" y="2204864"/>
+            <a:off x="243459" y="2708920"/>
             <a:ext cx="1080000" cy="216000"/>
           </a:xfrm>
           <a:prstGeom prst="rect">
@@ -11378,7 +11299,7 @@
         </p:nvSpPr>
         <p:spPr>
           <a:xfrm>
-            <a:off x="3851928" y="2204840"/>
+            <a:off x="3851928" y="2708896"/>
             <a:ext cx="1440000" cy="216000"/>
           </a:xfrm>
           <a:prstGeom prst="rect">
@@ -11448,7 +11369,7 @@
         </p:nvSpPr>
         <p:spPr>
           <a:xfrm>
-            <a:off x="2763892" y="2204840"/>
+            <a:off x="2763892" y="2708896"/>
             <a:ext cx="1080000" cy="216000"/>
           </a:xfrm>
           <a:prstGeom prst="rect">
@@ -11508,7 +11429,7 @@
         </p:nvSpPr>
         <p:spPr>
           <a:xfrm>
-            <a:off x="1331648" y="2492896"/>
+            <a:off x="1331648" y="2996952"/>
             <a:ext cx="1440000" cy="216000"/>
           </a:xfrm>
           <a:prstGeom prst="rect">
@@ -11578,7 +11499,7 @@
         </p:nvSpPr>
         <p:spPr>
           <a:xfrm>
-            <a:off x="243307" y="2492896"/>
+            <a:off x="243307" y="2996952"/>
             <a:ext cx="1080000" cy="216000"/>
           </a:xfrm>
           <a:prstGeom prst="rect">
@@ -11648,7 +11569,7 @@
         </p:nvSpPr>
         <p:spPr>
           <a:xfrm>
-            <a:off x="1339827" y="3364507"/>
+            <a:off x="1339827" y="3868563"/>
             <a:ext cx="3960000" cy="216000"/>
           </a:xfrm>
           <a:prstGeom prst="rect">
@@ -11705,7 +11626,7 @@
         </p:nvSpPr>
         <p:spPr>
           <a:xfrm>
-            <a:off x="251488" y="3364508"/>
+            <a:off x="251488" y="3868564"/>
             <a:ext cx="1080000" cy="216000"/>
           </a:xfrm>
           <a:prstGeom prst="rect">
@@ -11758,7 +11679,7 @@
         </p:nvSpPr>
         <p:spPr>
           <a:xfrm>
-            <a:off x="1547784" y="3652532"/>
+            <a:off x="1547784" y="4156588"/>
             <a:ext cx="1080000" cy="144000"/>
           </a:xfrm>
           <a:prstGeom prst="rect">
@@ -11818,7 +11739,7 @@
         </p:nvSpPr>
         <p:spPr>
           <a:xfrm>
-            <a:off x="1403768" y="3652516"/>
+            <a:off x="1403768" y="4156572"/>
             <a:ext cx="144000" cy="144000"/>
           </a:xfrm>
           <a:prstGeom prst="rect">
@@ -11881,7 +11802,7 @@
         </p:nvSpPr>
         <p:spPr bwMode="auto">
           <a:xfrm>
-            <a:off x="251520" y="1834066"/>
+            <a:off x="251520" y="2338122"/>
             <a:ext cx="2122050" cy="226782"/>
           </a:xfrm>
           <a:prstGeom prst="rect">
@@ -11932,7 +11853,7 @@
         </p:nvSpPr>
         <p:spPr>
           <a:xfrm>
-            <a:off x="1331800" y="3076499"/>
+            <a:off x="1331800" y="3580555"/>
             <a:ext cx="1440000" cy="216000"/>
           </a:xfrm>
           <a:prstGeom prst="rect">
@@ -12000,7 +11921,7 @@
         </p:nvSpPr>
         <p:spPr>
           <a:xfrm>
-            <a:off x="251488" y="3076476"/>
+            <a:off x="251488" y="3580532"/>
             <a:ext cx="1080152" cy="208484"/>
           </a:xfrm>
           <a:prstGeom prst="rect">
@@ -12053,7 +11974,7 @@
         </p:nvSpPr>
         <p:spPr>
           <a:xfrm>
-            <a:off x="2555506" y="3076499"/>
+            <a:off x="2555506" y="3580555"/>
             <a:ext cx="216000" cy="216000"/>
           </a:xfrm>
           <a:prstGeom prst="rect">
@@ -12113,7 +12034,7 @@
         </p:nvSpPr>
         <p:spPr>
           <a:xfrm>
-            <a:off x="1331648" y="2773413"/>
+            <a:off x="1331648" y="3277469"/>
             <a:ext cx="1440000" cy="216000"/>
           </a:xfrm>
           <a:prstGeom prst="rect">
@@ -12181,7 +12102,7 @@
         </p:nvSpPr>
         <p:spPr>
           <a:xfrm>
-            <a:off x="395288" y="2773412"/>
+            <a:off x="395288" y="3277468"/>
             <a:ext cx="936200" cy="231031"/>
           </a:xfrm>
           <a:prstGeom prst="rect">
@@ -12265,7 +12186,7 @@
         </p:blipFill>
         <p:spPr>
           <a:xfrm>
-            <a:off x="2560136" y="2773413"/>
+            <a:off x="2560136" y="3277469"/>
             <a:ext cx="223539" cy="223539"/>
           </a:xfrm>
           <a:prstGeom prst="rect">
@@ -12283,8 +12204,8 @@
         </p:nvSpPr>
         <p:spPr>
           <a:xfrm>
-            <a:off x="5362002" y="1434261"/>
-            <a:ext cx="3530478" cy="2642811"/>
+            <a:off x="5362002" y="1938317"/>
+            <a:ext cx="3530478" cy="2498795"/>
           </a:xfrm>
           <a:prstGeom prst="rect">
             <a:avLst/>
@@ -12516,7 +12437,127 @@
                   <a:schemeClr val="tx1"/>
                 </a:solidFill>
               </a:rPr>
-              <a:t>検索条件の入力を必須にするかどうか設定します。</a:t>
+              <a:t>検索条件の入力を必須にするかどうか設定します</a:t>
+            </a:r>
+            <a:r>
+              <a:rPr lang="ja-JP" altLang="en-US" sz="1050" dirty="0" smtClean="0">
+                <a:solidFill>
+                  <a:schemeClr val="tx1"/>
+                </a:solidFill>
+              </a:rPr>
+              <a:t>。</a:t>
+            </a:r>
+            <a:r>
+              <a:rPr lang="en-US" altLang="ja-JP" sz="1050" dirty="0" smtClean="0">
+                <a:solidFill>
+                  <a:schemeClr val="tx1"/>
+                </a:solidFill>
+              </a:rPr>
+              <a:t>※</a:t>
+            </a:r>
+            <a:r>
+              <a:rPr lang="ja-JP" altLang="en-US" sz="1050" dirty="0" smtClean="0">
+                <a:solidFill>
+                  <a:schemeClr val="tx1"/>
+                </a:solidFill>
+              </a:rPr>
+              <a:t>必須フィールドを</a:t>
+            </a:r>
+            <a:r>
+              <a:rPr lang="en-US" altLang="ja-JP" sz="1050" dirty="0" smtClean="0">
+                <a:solidFill>
+                  <a:schemeClr val="tx1"/>
+                </a:solidFill>
+              </a:rPr>
+              <a:t>ON</a:t>
+            </a:r>
+            <a:r>
+              <a:rPr lang="ja-JP" altLang="en-US" sz="1050" dirty="0" smtClean="0">
+                <a:solidFill>
+                  <a:schemeClr val="tx1"/>
+                </a:solidFill>
+              </a:rPr>
+              <a:t>にする場合、そのカラムは、縦軸</a:t>
+            </a:r>
+            <a:r>
+              <a:rPr lang="en-US" altLang="ja-JP" sz="1050" dirty="0" smtClean="0">
+                <a:solidFill>
+                  <a:schemeClr val="tx1"/>
+                </a:solidFill>
+              </a:rPr>
+              <a:t>(X</a:t>
+            </a:r>
+            <a:r>
+              <a:rPr lang="ja-JP" altLang="en-US" sz="1050" dirty="0" smtClean="0">
+                <a:solidFill>
+                  <a:schemeClr val="tx1"/>
+                </a:solidFill>
+              </a:rPr>
+              <a:t>軸</a:t>
+            </a:r>
+            <a:r>
+              <a:rPr lang="en-US" altLang="ja-JP" sz="1050" dirty="0" smtClean="0">
+                <a:solidFill>
+                  <a:schemeClr val="tx1"/>
+                </a:solidFill>
+              </a:rPr>
+              <a:t>/</a:t>
+            </a:r>
+            <a:r>
+              <a:rPr lang="ja-JP" altLang="en-US" sz="1050" dirty="0" smtClean="0">
+                <a:solidFill>
+                  <a:schemeClr val="tx1"/>
+                </a:solidFill>
+              </a:rPr>
+              <a:t>列</a:t>
+            </a:r>
+            <a:r>
+              <a:rPr lang="en-US" altLang="ja-JP" sz="1050" dirty="0" smtClean="0">
+                <a:solidFill>
+                  <a:schemeClr val="tx1"/>
+                </a:solidFill>
+              </a:rPr>
+              <a:t>)</a:t>
+            </a:r>
+            <a:r>
+              <a:rPr lang="ja-JP" altLang="en-US" sz="1050" dirty="0" smtClean="0">
+                <a:solidFill>
+                  <a:schemeClr val="tx1"/>
+                </a:solidFill>
+              </a:rPr>
+              <a:t>となるカラムと横軸</a:t>
+            </a:r>
+            <a:r>
+              <a:rPr lang="en-US" altLang="ja-JP" sz="1050" dirty="0" smtClean="0">
+                <a:solidFill>
+                  <a:schemeClr val="tx1"/>
+                </a:solidFill>
+              </a:rPr>
+              <a:t>(Y</a:t>
+            </a:r>
+            <a:r>
+              <a:rPr lang="ja-JP" altLang="en-US" sz="1050" dirty="0" smtClean="0">
+                <a:solidFill>
+                  <a:schemeClr val="tx1"/>
+                </a:solidFill>
+              </a:rPr>
+              <a:t>軸／行</a:t>
+            </a:r>
+            <a:r>
+              <a:rPr lang="en-US" altLang="ja-JP" sz="1050" dirty="0" smtClean="0">
+                <a:solidFill>
+                  <a:schemeClr val="tx1"/>
+                </a:solidFill>
+              </a:rPr>
+              <a:t>)</a:t>
+            </a:r>
+            <a:r>
+              <a:rPr lang="ja-JP" altLang="en-US" sz="1050" dirty="0" smtClean="0">
+                <a:solidFill>
+                  <a:schemeClr val="tx1"/>
+                </a:solidFill>
+              </a:rPr>
+              <a:t>となるカラムを含めた複合ユニーク制約が必要になります。</a:t>
             </a:r>
             <a:endParaRPr lang="en-US" altLang="ja-JP" sz="1050" dirty="0" smtClean="0">
               <a:solidFill>
@@ -12534,7 +12575,7 @@
         </p:nvSpPr>
         <p:spPr>
           <a:xfrm>
-            <a:off x="3995936" y="3140984"/>
+            <a:off x="3995936" y="3645040"/>
             <a:ext cx="1080000" cy="144000"/>
           </a:xfrm>
           <a:prstGeom prst="rect">
@@ -12594,7 +12635,7 @@
         </p:nvSpPr>
         <p:spPr>
           <a:xfrm>
-            <a:off x="3851920" y="3140968"/>
+            <a:off x="3851920" y="3645024"/>
             <a:ext cx="144000" cy="144000"/>
           </a:xfrm>
           <a:prstGeom prst="rect">
@@ -12646,6 +12687,169 @@
               </a:rPr>
               <a:t>　</a:t>
             </a:r>
+          </a:p>
+        </p:txBody>
+      </p:sp>
+      <p:sp>
+        <p:nvSpPr>
+          <p:cNvPr id="65" name="コンテンツ プレースホルダー 2"/>
+          <p:cNvSpPr txBox="1">
+            <a:spLocks/>
+          </p:cNvSpPr>
+          <p:nvPr/>
+        </p:nvSpPr>
+        <p:spPr>
+          <a:xfrm>
+            <a:off x="251520" y="908720"/>
+            <a:ext cx="8640000" cy="1080120"/>
+          </a:xfrm>
+          <a:prstGeom prst="rect">
+            <a:avLst/>
+          </a:prstGeom>
+          <a:noFill/>
+          <a:ln>
+            <a:noFill/>
+          </a:ln>
+        </p:spPr>
+        <p:style>
+          <a:lnRef idx="2">
+            <a:schemeClr val="accent1">
+              <a:shade val="50000"/>
+            </a:schemeClr>
+          </a:lnRef>
+          <a:fillRef idx="1">
+            <a:schemeClr val="accent1"/>
+          </a:fillRef>
+          <a:effectRef idx="0">
+            <a:schemeClr val="accent1"/>
+          </a:effectRef>
+          <a:fontRef idx="minor">
+            <a:schemeClr val="lt1"/>
+          </a:fontRef>
+        </p:style>
+        <p:txBody>
+          <a:bodyPr rtlCol="0" anchor="t"/>
+          <a:lstStyle>
+            <a:defPPr>
+              <a:defRPr lang="ja-JP"/>
+            </a:defPPr>
+            <a:lvl1pPr marL="0" indent="0" algn="just" eaLnBrk="1" hangingPunct="1">
+              <a:lnSpc>
+                <a:spcPct val="120000"/>
+              </a:lnSpc>
+              <a:spcBef>
+                <a:spcPts val="1200"/>
+              </a:spcBef>
+              <a:buNone/>
+              <a:defRPr sz="1800" kern="0">
+                <a:latin typeface="メイリオ" panose="020B0604030504040204" pitchFamily="50" charset="-128"/>
+                <a:ea typeface="メイリオ" panose="020B0604030504040204" pitchFamily="50" charset="-128"/>
+                <a:cs typeface="メイリオ" panose="020B0604030504040204" pitchFamily="50" charset="-128"/>
+              </a:defRPr>
+            </a:lvl1pPr>
+            <a:lvl2pPr>
+              <a:defRPr>
+                <a:solidFill>
+                  <a:schemeClr val="lt1"/>
+                </a:solidFill>
+                <a:latin typeface="+mn-lt"/>
+                <a:ea typeface="+mn-ea"/>
+              </a:defRPr>
+            </a:lvl2pPr>
+            <a:lvl3pPr>
+              <a:defRPr>
+                <a:solidFill>
+                  <a:schemeClr val="lt1"/>
+                </a:solidFill>
+                <a:latin typeface="+mn-lt"/>
+                <a:ea typeface="+mn-ea"/>
+              </a:defRPr>
+            </a:lvl3pPr>
+            <a:lvl4pPr>
+              <a:defRPr>
+                <a:solidFill>
+                  <a:schemeClr val="lt1"/>
+                </a:solidFill>
+                <a:latin typeface="+mn-lt"/>
+                <a:ea typeface="+mn-ea"/>
+              </a:defRPr>
+            </a:lvl4pPr>
+            <a:lvl5pPr>
+              <a:defRPr>
+                <a:solidFill>
+                  <a:schemeClr val="lt1"/>
+                </a:solidFill>
+                <a:latin typeface="+mn-lt"/>
+                <a:ea typeface="+mn-ea"/>
+              </a:defRPr>
+            </a:lvl5pPr>
+            <a:lvl6pPr>
+              <a:defRPr>
+                <a:solidFill>
+                  <a:schemeClr val="lt1"/>
+                </a:solidFill>
+                <a:latin typeface="+mn-lt"/>
+                <a:ea typeface="+mn-ea"/>
+              </a:defRPr>
+            </a:lvl6pPr>
+            <a:lvl7pPr>
+              <a:defRPr>
+                <a:solidFill>
+                  <a:schemeClr val="lt1"/>
+                </a:solidFill>
+                <a:latin typeface="+mn-lt"/>
+                <a:ea typeface="+mn-ea"/>
+              </a:defRPr>
+            </a:lvl7pPr>
+            <a:lvl8pPr>
+              <a:defRPr>
+                <a:solidFill>
+                  <a:schemeClr val="lt1"/>
+                </a:solidFill>
+                <a:latin typeface="+mn-lt"/>
+                <a:ea typeface="+mn-ea"/>
+              </a:defRPr>
+            </a:lvl8pPr>
+            <a:lvl9pPr>
+              <a:defRPr>
+                <a:solidFill>
+                  <a:schemeClr val="lt1"/>
+                </a:solidFill>
+                <a:latin typeface="+mn-lt"/>
+                <a:ea typeface="+mn-ea"/>
+              </a:defRPr>
+            </a:lvl9pPr>
+          </a:lstStyle>
+          <a:p>
+            <a:r>
+              <a:rPr lang="ja-JP" altLang="en-US" sz="1400" dirty="0">
+                <a:solidFill>
+                  <a:schemeClr val="tx1"/>
+                </a:solidFill>
+              </a:rPr>
+              <a:t>　</a:t>
+            </a:r>
+            <a:r>
+              <a:rPr lang="ja-JP" altLang="en-US" sz="1400" dirty="0" smtClean="0">
+                <a:solidFill>
+                  <a:schemeClr val="tx1"/>
+                </a:solidFill>
+              </a:rPr>
+              <a:t>列キーフィールド、行キーフィールド、編集フィールドで使用されていないフィールド</a:t>
+            </a:r>
+            <a:r>
+              <a:rPr lang="ja-JP" altLang="en-US" sz="1400" dirty="0" smtClean="0">
+                <a:solidFill>
+                  <a:schemeClr val="tx1"/>
+                </a:solidFill>
+              </a:rPr>
+              <a:t>を検索フィールドとして使用する事ができます。</a:t>
+            </a:r>
+            <a:endParaRPr lang="en-US" altLang="ja-JP" sz="1400" dirty="0" smtClean="0">
+              <a:solidFill>
+                <a:schemeClr val="tx1"/>
+              </a:solidFill>
+            </a:endParaRPr>
           </a:p>
         </p:txBody>
       </p:sp>
@@ -20678,17 +20882,7 @@
                 <a:latin typeface="HGPｺﾞｼｯｸM" pitchFamily="50" charset="-128"/>
                 <a:ea typeface="HGPｺﾞｼｯｸM" pitchFamily="50" charset="-128"/>
               </a:rPr>
-              <a:t>クイック</a:t>
-            </a:r>
-            <a:r>
-              <a:rPr lang="ja-JP" altLang="en-US" sz="800" dirty="0" smtClean="0">
-                <a:solidFill>
-                  <a:schemeClr val="tx1"/>
-                </a:solidFill>
-                <a:latin typeface="HGPｺﾞｼｯｸM" pitchFamily="50" charset="-128"/>
-                <a:ea typeface="HGPｺﾞｼｯｸM" pitchFamily="50" charset="-128"/>
-              </a:rPr>
-              <a:t>入力引継情報設定</a:t>
+              <a:t>クイック入力引継情報設定</a:t>
             </a:r>
             <a:endParaRPr lang="ja-JP" altLang="en-US" sz="800" dirty="0">
               <a:solidFill>
@@ -25324,7 +25518,23 @@
                   <a:schemeClr val="tx1"/>
                 </a:solidFill>
               </a:rPr>
-              <a:t>兄弟タブとなる検索フィールドタブに含まれていないフィールドである事を確認する。</a:t>
+              <a:t>兄弟タブとなる検索フィールドタブに含まれていないフィールドである事を</a:t>
+            </a:r>
+            <a:r>
+              <a:rPr lang="ja-JP" altLang="en-US" sz="1050" smtClean="0">
+                <a:solidFill>
+                  <a:schemeClr val="tx1"/>
+                </a:solidFill>
+              </a:rPr>
+              <a:t>確認</a:t>
+            </a:r>
+            <a:r>
+              <a:rPr lang="ja-JP" altLang="en-US" sz="1050" smtClean="0">
+                <a:solidFill>
+                  <a:schemeClr val="tx1"/>
+                </a:solidFill>
+              </a:rPr>
+              <a:t>する（検索フィールドとして使用されていない事を確認する）。</a:t>
             </a:r>
             <a:endParaRPr lang="en-US" altLang="ja-JP" sz="1050" dirty="0" smtClean="0">
               <a:solidFill>
@@ -29545,133 +29755,17 @@
                   <a:schemeClr val="tx1"/>
                 </a:solidFill>
               </a:rPr>
-              <a:t>フィールドが列キーと行キーになっていない事を確認する。</a:t>
+              <a:t>フィールドが列キーと行キーになっていない事を確認する</a:t>
+            </a:r>
+            <a:r>
+              <a:rPr lang="ja-JP" altLang="en-US" sz="1050" dirty="0" smtClean="0">
+                <a:solidFill>
+                  <a:schemeClr val="tx1"/>
+                </a:solidFill>
+              </a:rPr>
+              <a:t>。</a:t>
             </a:r>
             <a:endParaRPr lang="en-US" altLang="ja-JP" sz="1050" dirty="0" smtClean="0">
-              <a:solidFill>
-                <a:schemeClr val="tx1"/>
-              </a:solidFill>
-            </a:endParaRPr>
-          </a:p>
-          <a:p>
-            <a:pPr marL="171450" indent="-171450">
-              <a:spcBef>
-                <a:spcPts val="600"/>
-              </a:spcBef>
-              <a:buFont typeface="Arial" panose="020B0604020202020204" pitchFamily="34" charset="0"/>
-              <a:buChar char="•"/>
-            </a:pPr>
-            <a:r>
-              <a:rPr lang="ja-JP" altLang="en-US" sz="1050" dirty="0">
-                <a:solidFill>
-                  <a:schemeClr val="tx1"/>
-                </a:solidFill>
-              </a:rPr>
-              <a:t>フィールド</a:t>
-            </a:r>
-            <a:r>
-              <a:rPr lang="ja-JP" altLang="en-US" sz="1050" dirty="0" smtClean="0">
-                <a:solidFill>
-                  <a:schemeClr val="tx1"/>
-                </a:solidFill>
-              </a:rPr>
-              <a:t>に対応するカラムの設定で、</a:t>
-            </a:r>
-            <a:r>
-              <a:rPr lang="en-US" altLang="ja-JP" sz="1050" dirty="0" err="1" smtClean="0">
-                <a:solidFill>
-                  <a:schemeClr val="tx1"/>
-                </a:solidFill>
-              </a:rPr>
-              <a:t>IsParent</a:t>
-            </a:r>
-            <a:r>
-              <a:rPr lang="ja-JP" altLang="en-US" sz="1050" dirty="0" smtClean="0">
-                <a:solidFill>
-                  <a:schemeClr val="tx1"/>
-                </a:solidFill>
-              </a:rPr>
-              <a:t>フラグが</a:t>
-            </a:r>
-            <a:r>
-              <a:rPr lang="en-US" altLang="ja-JP" sz="1050" dirty="0" smtClean="0">
-                <a:solidFill>
-                  <a:schemeClr val="tx1"/>
-                </a:solidFill>
-              </a:rPr>
-              <a:t>ON</a:t>
-            </a:r>
-            <a:r>
-              <a:rPr lang="ja-JP" altLang="en-US" sz="1050" dirty="0" smtClean="0">
-                <a:solidFill>
-                  <a:schemeClr val="tx1"/>
-                </a:solidFill>
-              </a:rPr>
-              <a:t>になっていない事を確認する。</a:t>
-            </a:r>
-            <a:endParaRPr lang="en-US" altLang="ja-JP" sz="1050" dirty="0" smtClean="0">
-              <a:solidFill>
-                <a:schemeClr val="tx1"/>
-              </a:solidFill>
-            </a:endParaRPr>
-          </a:p>
-          <a:p>
-            <a:pPr marL="171450" indent="-171450">
-              <a:spcBef>
-                <a:spcPts val="600"/>
-              </a:spcBef>
-              <a:buFont typeface="Arial" panose="020B0604020202020204" pitchFamily="34" charset="0"/>
-              <a:buChar char="•"/>
-            </a:pPr>
-            <a:r>
-              <a:rPr lang="ja-JP" altLang="en-US" sz="1050" dirty="0">
-                <a:solidFill>
-                  <a:schemeClr val="tx1"/>
-                </a:solidFill>
-              </a:rPr>
-              <a:t>フィールド</a:t>
-            </a:r>
-            <a:r>
-              <a:rPr lang="ja-JP" altLang="en-US" sz="1050" dirty="0" smtClean="0">
-                <a:solidFill>
-                  <a:schemeClr val="tx1"/>
-                </a:solidFill>
-              </a:rPr>
-              <a:t>に対応するカラムの設定で、</a:t>
-            </a:r>
-            <a:r>
-              <a:rPr lang="en-US" altLang="ja-JP" sz="1050" dirty="0" err="1" smtClean="0">
-                <a:solidFill>
-                  <a:schemeClr val="tx1"/>
-                </a:solidFill>
-              </a:rPr>
-              <a:t>IsUpdatable</a:t>
-            </a:r>
-            <a:r>
-              <a:rPr lang="ja-JP" altLang="en-US" sz="1050" dirty="0" smtClean="0">
-                <a:solidFill>
-                  <a:schemeClr val="tx1"/>
-                </a:solidFill>
-              </a:rPr>
-              <a:t>フラグが</a:t>
-            </a:r>
-            <a:r>
-              <a:rPr lang="en-US" altLang="ja-JP" sz="1050" dirty="0" smtClean="0">
-                <a:solidFill>
-                  <a:schemeClr val="tx1"/>
-                </a:solidFill>
-              </a:rPr>
-              <a:t>ON</a:t>
-            </a:r>
-            <a:r>
-              <a:rPr lang="ja-JP" altLang="en-US" sz="1050" dirty="0" smtClean="0">
-                <a:solidFill>
-                  <a:schemeClr val="tx1"/>
-                </a:solidFill>
-              </a:rPr>
-              <a:t>になっている事を確認する。</a:t>
-            </a:r>
-            <a:endParaRPr lang="en-US" altLang="ja-JP" sz="1050" dirty="0">
               <a:solidFill>
                 <a:schemeClr val="tx1"/>
               </a:solidFill>
@@ -30120,7 +30214,7 @@
         </p:nvSpPr>
         <p:spPr>
           <a:xfrm>
-            <a:off x="251520" y="2348880"/>
+            <a:off x="251520" y="2060848"/>
             <a:ext cx="8640000" cy="432000"/>
           </a:xfrm>
           <a:prstGeom prst="rect">
@@ -30238,7 +30332,7 @@
         </p:nvSpPr>
         <p:spPr>
           <a:xfrm>
-            <a:off x="251520" y="2852936"/>
+            <a:off x="251520" y="2564904"/>
             <a:ext cx="8635144" cy="792088"/>
           </a:xfrm>
           <a:prstGeom prst="rect">

--- a/Doc/JPIERE-0098_�}�g���N�X�E�B���h�E.pptx
+++ b/Doc/JPIERE-0098_�}�g���N�X�E�B���h�E.pptx
@@ -25518,18 +25518,10 @@
                   <a:schemeClr val="tx1"/>
                 </a:solidFill>
               </a:rPr>
-              <a:t>兄弟タブとなる検索フィールドタブに含まれていないフィールドである事を</a:t>
-            </a:r>
-            <a:r>
-              <a:rPr lang="ja-JP" altLang="en-US" sz="1050" smtClean="0">
-                <a:solidFill>
-                  <a:schemeClr val="tx1"/>
-                </a:solidFill>
-              </a:rPr>
-              <a:t>確認</a:t>
-            </a:r>
-            <a:r>
-              <a:rPr lang="ja-JP" altLang="en-US" sz="1050" smtClean="0">
+              <a:t>兄弟タブとなる検索フィールドタブに含まれていないフィールドである事を確認</a:t>
+            </a:r>
+            <a:r>
+              <a:rPr lang="ja-JP" altLang="en-US" sz="1050" dirty="0" smtClean="0">
                 <a:solidFill>
                   <a:schemeClr val="tx1"/>
                 </a:solidFill>

--- a/Doc/JPIERE-0098_�}�g���N�X�E�B���h�E.pptx
+++ b/Doc/JPIERE-0098_�}�g���N�X�E�B���h�E.pptx
@@ -12437,15 +12437,7 @@
                   <a:schemeClr val="tx1"/>
                 </a:solidFill>
               </a:rPr>
-              <a:t>検索条件の入力を必須にするかどうか設定します</a:t>
-            </a:r>
-            <a:r>
-              <a:rPr lang="ja-JP" altLang="en-US" sz="1050" dirty="0" smtClean="0">
-                <a:solidFill>
-                  <a:schemeClr val="tx1"/>
-                </a:solidFill>
-              </a:rPr>
-              <a:t>。</a:t>
+              <a:t>検索条件の入力を必須にするかどうか設定します。</a:t>
             </a:r>
             <a:r>
               <a:rPr lang="en-US" altLang="ja-JP" sz="1050" dirty="0" smtClean="0">
@@ -12835,15 +12827,7 @@
                   <a:schemeClr val="tx1"/>
                 </a:solidFill>
               </a:rPr>
-              <a:t>列キーフィールド、行キーフィールド、編集フィールドで使用されていないフィールド</a:t>
-            </a:r>
-            <a:r>
-              <a:rPr lang="ja-JP" altLang="en-US" sz="1400" dirty="0" smtClean="0">
-                <a:solidFill>
-                  <a:schemeClr val="tx1"/>
-                </a:solidFill>
-              </a:rPr>
-              <a:t>を検索フィールドとして使用する事ができます。</a:t>
+              <a:t>列キーフィールド、行キーフィールド、編集フィールドで使用されていないフィールドを検索フィールドとして使用する事ができます。</a:t>
             </a:r>
             <a:endParaRPr lang="en-US" altLang="ja-JP" sz="1400" dirty="0" smtClean="0">
               <a:solidFill>
@@ -25518,15 +25502,7 @@
                   <a:schemeClr val="tx1"/>
                 </a:solidFill>
               </a:rPr>
-              <a:t>兄弟タブとなる検索フィールドタブに含まれていないフィールドである事を確認</a:t>
-            </a:r>
-            <a:r>
-              <a:rPr lang="ja-JP" altLang="en-US" sz="1050" dirty="0" smtClean="0">
-                <a:solidFill>
-                  <a:schemeClr val="tx1"/>
-                </a:solidFill>
-              </a:rPr>
-              <a:t>する（検索フィールドとして使用されていない事を確認する）。</a:t>
+              <a:t>兄弟タブとなる検索フィールドタブに含まれていないフィールドである事を確認する（検索フィールドとして使用されていない事を確認する）。</a:t>
             </a:r>
             <a:endParaRPr lang="en-US" altLang="ja-JP" sz="1050" dirty="0" smtClean="0">
               <a:solidFill>
@@ -29747,15 +29723,7 @@
                   <a:schemeClr val="tx1"/>
                 </a:solidFill>
               </a:rPr>
-              <a:t>フィールドが列キーと行キーになっていない事を確認する</a:t>
-            </a:r>
-            <a:r>
-              <a:rPr lang="ja-JP" altLang="en-US" sz="1050" dirty="0" smtClean="0">
-                <a:solidFill>
-                  <a:schemeClr val="tx1"/>
-                </a:solidFill>
-              </a:rPr>
-              <a:t>。</a:t>
+              <a:t>フィールドが列キーと行キーになっていない事を確認する。</a:t>
             </a:r>
             <a:endParaRPr lang="en-US" altLang="ja-JP" sz="1050" dirty="0" smtClean="0">
               <a:solidFill>

--- a/Doc/JPIERE-0098_�}�g���N�X�E�B���h�E.pptx
+++ b/Doc/JPIERE-0098_�}�g���N�X�E�B���h�E.pptx
@@ -5,10 +5,10 @@
     <p:sldMasterId id="2147484188" r:id="rId1"/>
   </p:sldMasterIdLst>
   <p:notesMasterIdLst>
-    <p:notesMasterId r:id="rId23"/>
+    <p:notesMasterId r:id="rId24"/>
   </p:notesMasterIdLst>
   <p:handoutMasterIdLst>
-    <p:handoutMasterId r:id="rId24"/>
+    <p:handoutMasterId r:id="rId25"/>
   </p:handoutMasterIdLst>
   <p:sldIdLst>
     <p:sldId id="256" r:id="rId2"/>
@@ -23,15 +23,16 @@
     <p:sldId id="1211" r:id="rId11"/>
     <p:sldId id="1213" r:id="rId12"/>
     <p:sldId id="1215" r:id="rId13"/>
-    <p:sldId id="1214" r:id="rId14"/>
-    <p:sldId id="1208" r:id="rId15"/>
-    <p:sldId id="1217" r:id="rId16"/>
-    <p:sldId id="1207" r:id="rId17"/>
-    <p:sldId id="1218" r:id="rId18"/>
-    <p:sldId id="1216" r:id="rId19"/>
-    <p:sldId id="1219" r:id="rId20"/>
-    <p:sldId id="1222" r:id="rId21"/>
-    <p:sldId id="1177" r:id="rId22"/>
+    <p:sldId id="1226" r:id="rId14"/>
+    <p:sldId id="1214" r:id="rId15"/>
+    <p:sldId id="1208" r:id="rId16"/>
+    <p:sldId id="1217" r:id="rId17"/>
+    <p:sldId id="1207" r:id="rId18"/>
+    <p:sldId id="1218" r:id="rId19"/>
+    <p:sldId id="1216" r:id="rId20"/>
+    <p:sldId id="1219" r:id="rId21"/>
+    <p:sldId id="1222" r:id="rId22"/>
+    <p:sldId id="1177" r:id="rId23"/>
   </p:sldIdLst>
   <p:sldSz cx="9144000" cy="6858000" type="screen4x3"/>
   <p:notesSz cx="6742113" cy="9872663"/>
@@ -2012,7 +2013,7 @@
           <a:p>
             <a:fld id="{D2B9E0EA-6101-4826-8EB2-593C6C3A4928}" type="datetimeFigureOut">
               <a:rPr kumimoji="1" lang="ja-JP" altLang="en-US" smtClean="0"/>
-              <a:t>2015/7/29</a:t>
+              <a:t>2015/7/31</a:t>
             </a:fld>
             <a:endParaRPr kumimoji="1" lang="ja-JP" altLang="en-US"/>
           </a:p>
@@ -5407,8 +5408,8 @@
         </p:nvSpPr>
         <p:spPr>
           <a:xfrm>
-            <a:off x="5362698" y="1268760"/>
-            <a:ext cx="3530478" cy="5256584"/>
+            <a:off x="5362698" y="1124744"/>
+            <a:ext cx="3530478" cy="5400600"/>
           </a:xfrm>
           <a:prstGeom prst="rect">
             <a:avLst/>
@@ -5659,7 +5660,71 @@
                   <a:schemeClr val="tx1"/>
                 </a:solidFill>
               </a:rPr>
-              <a:t>選択したウィンドウの中から、マトリクスウィンドウで編集したいタブを選択します。</a:t>
+              <a:t>選択したウィンドウの中から、マトリクスウィンドウで編集したいタブを選択します</a:t>
+            </a:r>
+            <a:r>
+              <a:rPr lang="ja-JP" altLang="en-US" sz="1000" dirty="0" smtClean="0">
+                <a:solidFill>
+                  <a:schemeClr val="tx1"/>
+                </a:solidFill>
+              </a:rPr>
+              <a:t>。タブの設定が</a:t>
+            </a:r>
+            <a:r>
+              <a:rPr lang="en-US" altLang="ja-JP" sz="1000" dirty="0" smtClean="0">
+                <a:solidFill>
+                  <a:schemeClr val="tx1"/>
+                </a:solidFill>
+              </a:rPr>
+              <a:t>”</a:t>
+            </a:r>
+            <a:r>
+              <a:rPr lang="ja-JP" altLang="en-US" sz="1000" b="1" u="sng" dirty="0" smtClean="0">
+                <a:solidFill>
+                  <a:schemeClr val="tx1"/>
+                </a:solidFill>
+              </a:rPr>
+              <a:t>読取専用</a:t>
+            </a:r>
+            <a:r>
+              <a:rPr lang="en-US" altLang="ja-JP" sz="1000" b="1" u="sng" dirty="0" smtClean="0">
+                <a:solidFill>
+                  <a:schemeClr val="tx1"/>
+                </a:solidFill>
+              </a:rPr>
+              <a:t>(</a:t>
+            </a:r>
+            <a:r>
+              <a:rPr lang="en-US" altLang="ja-JP" sz="1000" b="1" u="sng" dirty="0" err="1" smtClean="0">
+                <a:solidFill>
+                  <a:schemeClr val="tx1"/>
+                </a:solidFill>
+              </a:rPr>
+              <a:t>IsReadOnly</a:t>
+            </a:r>
+            <a:r>
+              <a:rPr lang="en-US" altLang="ja-JP" sz="1000" b="1" u="sng" dirty="0" smtClean="0">
+                <a:solidFill>
+                  <a:schemeClr val="tx1"/>
+                </a:solidFill>
+              </a:rPr>
+              <a:t>)</a:t>
+            </a:r>
+            <a:r>
+              <a:rPr lang="en-US" altLang="ja-JP" sz="1000" dirty="0" smtClean="0">
+                <a:solidFill>
+                  <a:schemeClr val="tx1"/>
+                </a:solidFill>
+              </a:rPr>
+              <a:t>”</a:t>
+            </a:r>
+            <a:r>
+              <a:rPr lang="ja-JP" altLang="en-US" sz="1000" dirty="0" smtClean="0">
+                <a:solidFill>
+                  <a:schemeClr val="tx1"/>
+                </a:solidFill>
+              </a:rPr>
+              <a:t>の場合は、マトリクスウィンドウも読取専用になります。</a:t>
             </a:r>
             <a:endParaRPr lang="en-US" altLang="ja-JP" sz="1000" dirty="0" smtClean="0">
               <a:solidFill>
@@ -12900,6 +12965,455 @@
       </p:sp>
       <p:sp>
         <p:nvSpPr>
+          <p:cNvPr id="4" name="正方形/長方形 3"/>
+          <p:cNvSpPr/>
+          <p:nvPr/>
+        </p:nvSpPr>
+        <p:spPr>
+          <a:xfrm>
+            <a:off x="251520" y="548680"/>
+            <a:ext cx="8640000" cy="360000"/>
+          </a:xfrm>
+          <a:prstGeom prst="rect">
+            <a:avLst/>
+          </a:prstGeom>
+          <a:solidFill>
+            <a:schemeClr val="accent1">
+              <a:lumMod val="20000"/>
+              <a:lumOff val="80000"/>
+            </a:schemeClr>
+          </a:solidFill>
+          <a:ln>
+            <a:solidFill>
+              <a:schemeClr val="accent1">
+                <a:lumMod val="60000"/>
+                <a:lumOff val="40000"/>
+              </a:schemeClr>
+            </a:solidFill>
+          </a:ln>
+        </p:spPr>
+        <p:style>
+          <a:lnRef idx="2">
+            <a:schemeClr val="accent1">
+              <a:shade val="50000"/>
+            </a:schemeClr>
+          </a:lnRef>
+          <a:fillRef idx="1">
+            <a:schemeClr val="accent1"/>
+          </a:fillRef>
+          <a:effectRef idx="0">
+            <a:schemeClr val="accent1"/>
+          </a:effectRef>
+          <a:fontRef idx="minor">
+            <a:schemeClr val="lt1"/>
+          </a:fontRef>
+        </p:style>
+        <p:txBody>
+          <a:bodyPr rIns="0" rtlCol="0" anchor="b"/>
+          <a:lstStyle/>
+          <a:p>
+            <a:pPr algn="l"/>
+            <a:r>
+              <a:rPr lang="ja-JP" altLang="en-US" sz="1600" b="1" dirty="0" smtClean="0">
+                <a:solidFill>
+                  <a:schemeClr val="tx1"/>
+                </a:solidFill>
+                <a:latin typeface="メイリオ" panose="020B0604030504040204" pitchFamily="50" charset="-128"/>
+                <a:ea typeface="メイリオ" panose="020B0604030504040204" pitchFamily="50" charset="-128"/>
+                <a:cs typeface="メイリオ" panose="020B0604030504040204" pitchFamily="50" charset="-128"/>
+              </a:rPr>
+              <a:t>裏ワザ</a:t>
+            </a:r>
+            <a:endParaRPr lang="en-US" altLang="ja-JP" sz="1600" b="1" dirty="0" smtClean="0">
+              <a:solidFill>
+                <a:schemeClr val="tx1"/>
+              </a:solidFill>
+              <a:latin typeface="メイリオ" panose="020B0604030504040204" pitchFamily="50" charset="-128"/>
+              <a:ea typeface="メイリオ" panose="020B0604030504040204" pitchFamily="50" charset="-128"/>
+              <a:cs typeface="メイリオ" panose="020B0604030504040204" pitchFamily="50" charset="-128"/>
+            </a:endParaRPr>
+          </a:p>
+        </p:txBody>
+      </p:sp>
+      <p:sp>
+        <p:nvSpPr>
+          <p:cNvPr id="5" name="コンテンツ プレースホルダー 2"/>
+          <p:cNvSpPr txBox="1">
+            <a:spLocks/>
+          </p:cNvSpPr>
+          <p:nvPr/>
+        </p:nvSpPr>
+        <p:spPr>
+          <a:xfrm>
+            <a:off x="251520" y="908720"/>
+            <a:ext cx="8640000" cy="1080120"/>
+          </a:xfrm>
+          <a:prstGeom prst="rect">
+            <a:avLst/>
+          </a:prstGeom>
+          <a:noFill/>
+          <a:ln>
+            <a:noFill/>
+          </a:ln>
+        </p:spPr>
+        <p:style>
+          <a:lnRef idx="2">
+            <a:schemeClr val="accent1">
+              <a:shade val="50000"/>
+            </a:schemeClr>
+          </a:lnRef>
+          <a:fillRef idx="1">
+            <a:schemeClr val="accent1"/>
+          </a:fillRef>
+          <a:effectRef idx="0">
+            <a:schemeClr val="accent1"/>
+          </a:effectRef>
+          <a:fontRef idx="minor">
+            <a:schemeClr val="lt1"/>
+          </a:fontRef>
+        </p:style>
+        <p:txBody>
+          <a:bodyPr rtlCol="0" anchor="t"/>
+          <a:lstStyle>
+            <a:defPPr>
+              <a:defRPr lang="ja-JP"/>
+            </a:defPPr>
+            <a:lvl1pPr marL="0" indent="0" algn="just" eaLnBrk="1" hangingPunct="1">
+              <a:lnSpc>
+                <a:spcPct val="120000"/>
+              </a:lnSpc>
+              <a:spcBef>
+                <a:spcPts val="1200"/>
+              </a:spcBef>
+              <a:buNone/>
+              <a:defRPr sz="1800" kern="0">
+                <a:latin typeface="メイリオ" panose="020B0604030504040204" pitchFamily="50" charset="-128"/>
+                <a:ea typeface="メイリオ" panose="020B0604030504040204" pitchFamily="50" charset="-128"/>
+                <a:cs typeface="メイリオ" panose="020B0604030504040204" pitchFamily="50" charset="-128"/>
+              </a:defRPr>
+            </a:lvl1pPr>
+            <a:lvl2pPr>
+              <a:defRPr>
+                <a:solidFill>
+                  <a:schemeClr val="lt1"/>
+                </a:solidFill>
+                <a:latin typeface="+mn-lt"/>
+                <a:ea typeface="+mn-ea"/>
+              </a:defRPr>
+            </a:lvl2pPr>
+            <a:lvl3pPr>
+              <a:defRPr>
+                <a:solidFill>
+                  <a:schemeClr val="lt1"/>
+                </a:solidFill>
+                <a:latin typeface="+mn-lt"/>
+                <a:ea typeface="+mn-ea"/>
+              </a:defRPr>
+            </a:lvl3pPr>
+            <a:lvl4pPr>
+              <a:defRPr>
+                <a:solidFill>
+                  <a:schemeClr val="lt1"/>
+                </a:solidFill>
+                <a:latin typeface="+mn-lt"/>
+                <a:ea typeface="+mn-ea"/>
+              </a:defRPr>
+            </a:lvl4pPr>
+            <a:lvl5pPr>
+              <a:defRPr>
+                <a:solidFill>
+                  <a:schemeClr val="lt1"/>
+                </a:solidFill>
+                <a:latin typeface="+mn-lt"/>
+                <a:ea typeface="+mn-ea"/>
+              </a:defRPr>
+            </a:lvl5pPr>
+            <a:lvl6pPr>
+              <a:defRPr>
+                <a:solidFill>
+                  <a:schemeClr val="lt1"/>
+                </a:solidFill>
+                <a:latin typeface="+mn-lt"/>
+                <a:ea typeface="+mn-ea"/>
+              </a:defRPr>
+            </a:lvl6pPr>
+            <a:lvl7pPr>
+              <a:defRPr>
+                <a:solidFill>
+                  <a:schemeClr val="lt1"/>
+                </a:solidFill>
+                <a:latin typeface="+mn-lt"/>
+                <a:ea typeface="+mn-ea"/>
+              </a:defRPr>
+            </a:lvl7pPr>
+            <a:lvl8pPr>
+              <a:defRPr>
+                <a:solidFill>
+                  <a:schemeClr val="lt1"/>
+                </a:solidFill>
+                <a:latin typeface="+mn-lt"/>
+                <a:ea typeface="+mn-ea"/>
+              </a:defRPr>
+            </a:lvl8pPr>
+            <a:lvl9pPr>
+              <a:defRPr>
+                <a:solidFill>
+                  <a:schemeClr val="lt1"/>
+                </a:solidFill>
+                <a:latin typeface="+mn-lt"/>
+                <a:ea typeface="+mn-ea"/>
+              </a:defRPr>
+            </a:lvl9pPr>
+          </a:lstStyle>
+          <a:p>
+            <a:r>
+              <a:rPr lang="ja-JP" altLang="en-US" sz="1400" dirty="0">
+                <a:solidFill>
+                  <a:schemeClr val="tx1"/>
+                </a:solidFill>
+              </a:rPr>
+              <a:t>　</a:t>
+            </a:r>
+            <a:r>
+              <a:rPr lang="ja-JP" altLang="en-US" sz="1400" dirty="0" smtClean="0">
+                <a:solidFill>
+                  <a:schemeClr val="tx1"/>
+                </a:solidFill>
+              </a:rPr>
+              <a:t>マトリクスウィンドウタブの</a:t>
+            </a:r>
+            <a:r>
+              <a:rPr lang="en-US" altLang="ja-JP" sz="1400" dirty="0" smtClean="0">
+                <a:solidFill>
+                  <a:schemeClr val="tx1"/>
+                </a:solidFill>
+              </a:rPr>
+              <a:t>”</a:t>
+            </a:r>
+            <a:r>
+              <a:rPr lang="ja-JP" altLang="en-US" sz="1400" dirty="0" smtClean="0">
+                <a:solidFill>
+                  <a:schemeClr val="tx1"/>
+                </a:solidFill>
+              </a:rPr>
+              <a:t>説明</a:t>
+            </a:r>
+            <a:r>
+              <a:rPr lang="en-US" altLang="ja-JP" sz="1400" dirty="0" smtClean="0">
+                <a:solidFill>
+                  <a:schemeClr val="tx1"/>
+                </a:solidFill>
+              </a:rPr>
+              <a:t>(</a:t>
+            </a:r>
+            <a:r>
+              <a:rPr lang="en-US" altLang="ja-JP" sz="1400" dirty="0" err="1" smtClean="0">
+                <a:solidFill>
+                  <a:schemeClr val="tx1"/>
+                </a:solidFill>
+              </a:rPr>
+              <a:t>Discription</a:t>
+            </a:r>
+            <a:r>
+              <a:rPr lang="en-US" altLang="ja-JP" sz="1400" dirty="0" smtClean="0">
+                <a:solidFill>
+                  <a:schemeClr val="tx1"/>
+                </a:solidFill>
+              </a:rPr>
+              <a:t>)”</a:t>
+            </a:r>
+            <a:r>
+              <a:rPr lang="ja-JP" altLang="en-US" sz="1400" dirty="0" smtClean="0">
+                <a:solidFill>
+                  <a:schemeClr val="tx1"/>
+                </a:solidFill>
+              </a:rPr>
+              <a:t>フィールドに</a:t>
+            </a:r>
+            <a:r>
+              <a:rPr lang="en-US" altLang="ja-JP" sz="1400" dirty="0" smtClean="0">
+                <a:solidFill>
+                  <a:schemeClr val="tx1"/>
+                </a:solidFill>
+              </a:rPr>
+              <a:t>”test”</a:t>
+            </a:r>
+            <a:r>
+              <a:rPr lang="ja-JP" altLang="en-US" sz="1400" dirty="0" smtClean="0">
+                <a:solidFill>
+                  <a:schemeClr val="tx1"/>
+                </a:solidFill>
+              </a:rPr>
+              <a:t>のキーワードがある場合、マトリクスウィンドウの全フィールドが編集状態で表示されます。</a:t>
+            </a:r>
+            <a:endParaRPr lang="en-US" altLang="ja-JP" sz="1400" dirty="0" smtClean="0">
+              <a:solidFill>
+                <a:schemeClr val="tx1"/>
+              </a:solidFill>
+            </a:endParaRPr>
+          </a:p>
+        </p:txBody>
+      </p:sp>
+      <p:pic>
+        <p:nvPicPr>
+          <p:cNvPr id="6" name="図 5"/>
+          <p:cNvPicPr>
+            <a:picLocks noChangeAspect="1"/>
+          </p:cNvPicPr>
+          <p:nvPr/>
+        </p:nvPicPr>
+        <p:blipFill>
+          <a:blip r:embed="rId2"/>
+          <a:stretch>
+            <a:fillRect/>
+          </a:stretch>
+        </p:blipFill>
+        <p:spPr>
+          <a:xfrm>
+            <a:off x="683568" y="1700808"/>
+            <a:ext cx="7632848" cy="4552927"/>
+          </a:xfrm>
+          <a:prstGeom prst="rect">
+            <a:avLst/>
+          </a:prstGeom>
+          <a:ln>
+            <a:solidFill>
+              <a:schemeClr val="accent1"/>
+            </a:solidFill>
+          </a:ln>
+        </p:spPr>
+      </p:pic>
+      <p:sp>
+        <p:nvSpPr>
+          <p:cNvPr id="7" name="正方形/長方形 6"/>
+          <p:cNvSpPr/>
+          <p:nvPr/>
+        </p:nvSpPr>
+        <p:spPr>
+          <a:xfrm>
+            <a:off x="5508104" y="1340768"/>
+            <a:ext cx="3383416" cy="1872208"/>
+          </a:xfrm>
+          <a:prstGeom prst="rect">
+            <a:avLst/>
+          </a:prstGeom>
+        </p:spPr>
+        <p:style>
+          <a:lnRef idx="2">
+            <a:schemeClr val="accent1">
+              <a:shade val="50000"/>
+            </a:schemeClr>
+          </a:lnRef>
+          <a:fillRef idx="1">
+            <a:schemeClr val="accent1"/>
+          </a:fillRef>
+          <a:effectRef idx="0">
+            <a:schemeClr val="accent1"/>
+          </a:effectRef>
+          <a:fontRef idx="minor">
+            <a:schemeClr val="lt1"/>
+          </a:fontRef>
+        </p:style>
+        <p:txBody>
+          <a:bodyPr rtlCol="0" anchor="t"/>
+          <a:lstStyle/>
+          <a:p>
+            <a:pPr algn="l"/>
+            <a:r>
+              <a:rPr lang="ja-JP" altLang="en-US" sz="1600" dirty="0"/>
+              <a:t>多</a:t>
+            </a:r>
+            <a:r>
+              <a:rPr lang="ja-JP" altLang="en-US" sz="1600" dirty="0" smtClean="0"/>
+              <a:t>くのフィールドを</a:t>
+            </a:r>
+            <a:r>
+              <a:rPr kumimoji="1" lang="ja-JP" altLang="en-US" sz="1600" dirty="0" smtClean="0"/>
+              <a:t>編集可能状態で表示するのは、ブラウザのレンダリング負荷の負荷が非常に高くなりますので、ご注意下さい。</a:t>
+            </a:r>
+            <a:endParaRPr kumimoji="1" lang="en-US" altLang="ja-JP" sz="1600" dirty="0" smtClean="0"/>
+          </a:p>
+          <a:p>
+            <a:pPr algn="l"/>
+            <a:r>
+              <a:rPr lang="ja-JP" altLang="en-US" sz="1600" dirty="0"/>
+              <a:t>多</a:t>
+            </a:r>
+            <a:r>
+              <a:rPr lang="ja-JP" altLang="en-US" sz="1600" dirty="0" smtClean="0"/>
+              <a:t>くのデータをリスト表示させている場合などは、ネットワーク負荷も高くなります</a:t>
+            </a:r>
+            <a:r>
+              <a:rPr lang="ja-JP" altLang="en-US" sz="1600" dirty="0"/>
+              <a:t>。</a:t>
+            </a:r>
+            <a:endParaRPr kumimoji="1" lang="ja-JP" altLang="en-US" sz="1600" dirty="0"/>
+          </a:p>
+        </p:txBody>
+      </p:sp>
+    </p:spTree>
+    <p:extLst>
+      <p:ext uri="{BB962C8B-B14F-4D97-AF65-F5344CB8AC3E}">
+        <p14:creationId xmlns:p14="http://schemas.microsoft.com/office/powerpoint/2010/main" val="614708608"/>
+      </p:ext>
+    </p:extLst>
+  </p:cSld>
+  <p:clrMapOvr>
+    <a:masterClrMapping/>
+  </p:clrMapOvr>
+</p:sld>
+</file>
+
+<file path=ppt/slides/slide14.xml><?xml version="1.0" encoding="utf-8"?>
+<p:sld xmlns:a="http://schemas.openxmlformats.org/drawingml/2006/main" xmlns:r="http://schemas.openxmlformats.org/officeDocument/2006/relationships" xmlns:p="http://schemas.openxmlformats.org/presentationml/2006/main">
+  <p:cSld>
+    <p:spTree>
+      <p:nvGrpSpPr>
+        <p:cNvPr id="1" name=""/>
+        <p:cNvGrpSpPr/>
+        <p:nvPr/>
+      </p:nvGrpSpPr>
+      <p:grpSpPr>
+        <a:xfrm>
+          <a:off x="0" y="0"/>
+          <a:ext cx="0" cy="0"/>
+          <a:chOff x="0" y="0"/>
+          <a:chExt cx="0" cy="0"/>
+        </a:xfrm>
+      </p:grpSpPr>
+      <p:sp>
+        <p:nvSpPr>
+          <p:cNvPr id="2" name="タイトル 1"/>
+          <p:cNvSpPr>
+            <a:spLocks noGrp="1"/>
+          </p:cNvSpPr>
+          <p:nvPr>
+            <p:ph type="title"/>
+          </p:nvPr>
+        </p:nvSpPr>
+        <p:spPr/>
+        <p:txBody>
+          <a:bodyPr/>
+          <a:lstStyle/>
+          <a:p>
+            <a:r>
+              <a:rPr lang="en-US" altLang="ja-JP" dirty="0"/>
+              <a:t>【</a:t>
+            </a:r>
+            <a:r>
+              <a:rPr lang="ja-JP" altLang="en-US" dirty="0"/>
+              <a:t>マトリクスウィンドウの設定</a:t>
+            </a:r>
+            <a:r>
+              <a:rPr lang="en-US" altLang="ja-JP" dirty="0"/>
+              <a:t>】</a:t>
+            </a:r>
+            <a:endParaRPr kumimoji="1" lang="ja-JP" altLang="en-US" dirty="0"/>
+          </a:p>
+        </p:txBody>
+      </p:sp>
+      <p:sp>
+        <p:nvSpPr>
           <p:cNvPr id="4" name="角丸四角形 3"/>
           <p:cNvSpPr/>
           <p:nvPr/>
@@ -16231,7 +16745,7 @@
 </p:sld>
 </file>
 
-<file path=ppt/slides/slide14.xml><?xml version="1.0" encoding="utf-8"?>
+<file path=ppt/slides/slide15.xml><?xml version="1.0" encoding="utf-8"?>
 <p:sld xmlns:a="http://schemas.openxmlformats.org/drawingml/2006/main" xmlns:r="http://schemas.openxmlformats.org/officeDocument/2006/relationships" xmlns:p="http://schemas.openxmlformats.org/presentationml/2006/main">
   <p:cSld>
     <p:spTree>
@@ -20951,7 +21465,7 @@
 </p:sld>
 </file>
 
-<file path=ppt/slides/slide15.xml><?xml version="1.0" encoding="utf-8"?>
+<file path=ppt/slides/slide16.xml><?xml version="1.0" encoding="utf-8"?>
 <p:sld xmlns:a="http://schemas.openxmlformats.org/drawingml/2006/main" xmlns:r="http://schemas.openxmlformats.org/officeDocument/2006/relationships" xmlns:p="http://schemas.openxmlformats.org/presentationml/2006/main">
   <p:cSld>
     <p:spTree>
@@ -21853,7 +22367,7 @@
 </p:sld>
 </file>
 
-<file path=ppt/slides/slide16.xml><?xml version="1.0" encoding="utf-8"?>
+<file path=ppt/slides/slide17.xml><?xml version="1.0" encoding="utf-8"?>
 <p:sld xmlns:a="http://schemas.openxmlformats.org/drawingml/2006/main" xmlns:r="http://schemas.openxmlformats.org/officeDocument/2006/relationships" xmlns:p="http://schemas.openxmlformats.org/presentationml/2006/main">
   <p:cSld>
     <p:spTree>
@@ -25306,7 +25820,7 @@
 </p:sld>
 </file>
 
-<file path=ppt/slides/slide17.xml><?xml version="1.0" encoding="utf-8"?>
+<file path=ppt/slides/slide18.xml><?xml version="1.0" encoding="utf-8"?>
 <p:sld xmlns:a="http://schemas.openxmlformats.org/drawingml/2006/main" xmlns:r="http://schemas.openxmlformats.org/officeDocument/2006/relationships" xmlns:p="http://schemas.openxmlformats.org/presentationml/2006/main">
   <p:cSld>
     <p:spTree>
@@ -25988,7 +26502,7 @@
 </p:sld>
 </file>
 
-<file path=ppt/slides/slide18.xml><?xml version="1.0" encoding="utf-8"?>
+<file path=ppt/slides/slide19.xml><?xml version="1.0" encoding="utf-8"?>
 <p:sld xmlns:a="http://schemas.openxmlformats.org/drawingml/2006/main" xmlns:r="http://schemas.openxmlformats.org/officeDocument/2006/relationships" xmlns:p="http://schemas.openxmlformats.org/presentationml/2006/main">
   <p:cSld>
     <p:spTree>
@@ -29489,982 +30003,6 @@
 </p:sld>
 </file>
 
-<file path=ppt/slides/slide19.xml><?xml version="1.0" encoding="utf-8"?>
-<p:sld xmlns:a="http://schemas.openxmlformats.org/drawingml/2006/main" xmlns:r="http://schemas.openxmlformats.org/officeDocument/2006/relationships" xmlns:p="http://schemas.openxmlformats.org/presentationml/2006/main">
-  <p:cSld>
-    <p:spTree>
-      <p:nvGrpSpPr>
-        <p:cNvPr id="1" name=""/>
-        <p:cNvGrpSpPr/>
-        <p:nvPr/>
-      </p:nvGrpSpPr>
-      <p:grpSpPr>
-        <a:xfrm>
-          <a:off x="0" y="0"/>
-          <a:ext cx="0" cy="0"/>
-          <a:chOff x="0" y="0"/>
-          <a:chExt cx="0" cy="0"/>
-        </a:xfrm>
-      </p:grpSpPr>
-      <p:sp>
-        <p:nvSpPr>
-          <p:cNvPr id="2" name="タイトル 1"/>
-          <p:cNvSpPr>
-            <a:spLocks noGrp="1"/>
-          </p:cNvSpPr>
-          <p:nvPr>
-            <p:ph type="title"/>
-          </p:nvPr>
-        </p:nvSpPr>
-        <p:spPr/>
-        <p:txBody>
-          <a:bodyPr/>
-          <a:lstStyle/>
-          <a:p>
-            <a:r>
-              <a:rPr lang="en-US" altLang="ja-JP" dirty="0"/>
-              <a:t>【</a:t>
-            </a:r>
-            <a:r>
-              <a:rPr lang="ja-JP" altLang="en-US" dirty="0"/>
-              <a:t>概要設計</a:t>
-            </a:r>
-            <a:r>
-              <a:rPr lang="en-US" altLang="ja-JP" dirty="0"/>
-              <a:t>】</a:t>
-            </a:r>
-            <a:r>
-              <a:rPr lang="ja-JP" altLang="en-US" dirty="0"/>
-              <a:t>マトリクスウィンドウの設定画面</a:t>
-            </a:r>
-            <a:endParaRPr kumimoji="1" lang="ja-JP" altLang="en-US" dirty="0"/>
-          </a:p>
-        </p:txBody>
-      </p:sp>
-      <p:sp>
-        <p:nvSpPr>
-          <p:cNvPr id="7" name="コンテンツ プレースホルダー 2"/>
-          <p:cNvSpPr txBox="1">
-            <a:spLocks/>
-          </p:cNvSpPr>
-          <p:nvPr/>
-        </p:nvSpPr>
-        <p:spPr>
-          <a:xfrm>
-            <a:off x="256376" y="1052736"/>
-            <a:ext cx="8635144" cy="1747712"/>
-          </a:xfrm>
-          <a:prstGeom prst="rect">
-            <a:avLst/>
-          </a:prstGeom>
-          <a:noFill/>
-          <a:ln>
-            <a:noFill/>
-          </a:ln>
-        </p:spPr>
-        <p:style>
-          <a:lnRef idx="2">
-            <a:schemeClr val="accent1">
-              <a:shade val="50000"/>
-            </a:schemeClr>
-          </a:lnRef>
-          <a:fillRef idx="1">
-            <a:schemeClr val="accent1"/>
-          </a:fillRef>
-          <a:effectRef idx="0">
-            <a:schemeClr val="accent1"/>
-          </a:effectRef>
-          <a:fontRef idx="minor">
-            <a:schemeClr val="lt1"/>
-          </a:fontRef>
-        </p:style>
-        <p:txBody>
-          <a:bodyPr rtlCol="0" anchor="t"/>
-          <a:lstStyle>
-            <a:defPPr>
-              <a:defRPr lang="ja-JP"/>
-            </a:defPPr>
-            <a:lvl1pPr marL="0" indent="0" algn="just" eaLnBrk="1" hangingPunct="1">
-              <a:lnSpc>
-                <a:spcPct val="120000"/>
-              </a:lnSpc>
-              <a:spcBef>
-                <a:spcPts val="1200"/>
-              </a:spcBef>
-              <a:buNone/>
-              <a:defRPr sz="1800" kern="0">
-                <a:latin typeface="メイリオ" panose="020B0604030504040204" pitchFamily="50" charset="-128"/>
-                <a:ea typeface="メイリオ" panose="020B0604030504040204" pitchFamily="50" charset="-128"/>
-                <a:cs typeface="メイリオ" panose="020B0604030504040204" pitchFamily="50" charset="-128"/>
-              </a:defRPr>
-            </a:lvl1pPr>
-            <a:lvl2pPr>
-              <a:defRPr>
-                <a:solidFill>
-                  <a:schemeClr val="lt1"/>
-                </a:solidFill>
-                <a:latin typeface="+mn-lt"/>
-                <a:ea typeface="+mn-ea"/>
-              </a:defRPr>
-            </a:lvl2pPr>
-            <a:lvl3pPr>
-              <a:defRPr>
-                <a:solidFill>
-                  <a:schemeClr val="lt1"/>
-                </a:solidFill>
-                <a:latin typeface="+mn-lt"/>
-                <a:ea typeface="+mn-ea"/>
-              </a:defRPr>
-            </a:lvl3pPr>
-            <a:lvl4pPr>
-              <a:defRPr>
-                <a:solidFill>
-                  <a:schemeClr val="lt1"/>
-                </a:solidFill>
-                <a:latin typeface="+mn-lt"/>
-                <a:ea typeface="+mn-ea"/>
-              </a:defRPr>
-            </a:lvl4pPr>
-            <a:lvl5pPr>
-              <a:defRPr>
-                <a:solidFill>
-                  <a:schemeClr val="lt1"/>
-                </a:solidFill>
-                <a:latin typeface="+mn-lt"/>
-                <a:ea typeface="+mn-ea"/>
-              </a:defRPr>
-            </a:lvl5pPr>
-            <a:lvl6pPr>
-              <a:defRPr>
-                <a:solidFill>
-                  <a:schemeClr val="lt1"/>
-                </a:solidFill>
-                <a:latin typeface="+mn-lt"/>
-                <a:ea typeface="+mn-ea"/>
-              </a:defRPr>
-            </a:lvl6pPr>
-            <a:lvl7pPr>
-              <a:defRPr>
-                <a:solidFill>
-                  <a:schemeClr val="lt1"/>
-                </a:solidFill>
-                <a:latin typeface="+mn-lt"/>
-                <a:ea typeface="+mn-ea"/>
-              </a:defRPr>
-            </a:lvl7pPr>
-            <a:lvl8pPr>
-              <a:defRPr>
-                <a:solidFill>
-                  <a:schemeClr val="lt1"/>
-                </a:solidFill>
-                <a:latin typeface="+mn-lt"/>
-                <a:ea typeface="+mn-ea"/>
-              </a:defRPr>
-            </a:lvl8pPr>
-            <a:lvl9pPr>
-              <a:defRPr>
-                <a:solidFill>
-                  <a:schemeClr val="lt1"/>
-                </a:solidFill>
-                <a:latin typeface="+mn-lt"/>
-                <a:ea typeface="+mn-ea"/>
-              </a:defRPr>
-            </a:lvl9pPr>
-          </a:lstStyle>
-          <a:p>
-            <a:pPr marL="171450" indent="-171450">
-              <a:spcBef>
-                <a:spcPts val="600"/>
-              </a:spcBef>
-              <a:buFont typeface="Arial" panose="020B0604020202020204" pitchFamily="34" charset="0"/>
-              <a:buChar char="•"/>
-            </a:pPr>
-            <a:r>
-              <a:rPr lang="ja-JP" altLang="en-US" sz="1050" dirty="0" smtClean="0">
-                <a:solidFill>
-                  <a:schemeClr val="tx1"/>
-                </a:solidFill>
-              </a:rPr>
-              <a:t>兄弟タブとなる</a:t>
-            </a:r>
-            <a:r>
-              <a:rPr lang="ja-JP" altLang="en-US" sz="1050" dirty="0">
-                <a:solidFill>
-                  <a:schemeClr val="tx1"/>
-                </a:solidFill>
-              </a:rPr>
-              <a:t>編集</a:t>
-            </a:r>
-            <a:r>
-              <a:rPr lang="ja-JP" altLang="en-US" sz="1050" dirty="0" smtClean="0">
-                <a:solidFill>
-                  <a:schemeClr val="tx1"/>
-                </a:solidFill>
-              </a:rPr>
-              <a:t>フィールドタブに含まれていないフィールドである事を確認する。</a:t>
-            </a:r>
-            <a:endParaRPr lang="en-US" altLang="ja-JP" sz="1050" dirty="0" smtClean="0">
-              <a:solidFill>
-                <a:schemeClr val="tx1"/>
-              </a:solidFill>
-            </a:endParaRPr>
-          </a:p>
-          <a:p>
-            <a:pPr marL="171450" indent="-171450">
-              <a:spcBef>
-                <a:spcPts val="600"/>
-              </a:spcBef>
-              <a:buFont typeface="Arial" panose="020B0604020202020204" pitchFamily="34" charset="0"/>
-              <a:buChar char="•"/>
-            </a:pPr>
-            <a:r>
-              <a:rPr lang="ja-JP" altLang="en-US" sz="1050" dirty="0" smtClean="0">
-                <a:solidFill>
-                  <a:schemeClr val="tx1"/>
-                </a:solidFill>
-              </a:rPr>
-              <a:t>フィールドが列キーと行キーになっていない事を確認する。</a:t>
-            </a:r>
-            <a:endParaRPr lang="en-US" altLang="ja-JP" sz="1050" dirty="0" smtClean="0">
-              <a:solidFill>
-                <a:schemeClr val="tx1"/>
-              </a:solidFill>
-            </a:endParaRPr>
-          </a:p>
-        </p:txBody>
-      </p:sp>
-      <p:sp>
-        <p:nvSpPr>
-          <p:cNvPr id="8" name="正方形/長方形 7"/>
-          <p:cNvSpPr/>
-          <p:nvPr/>
-        </p:nvSpPr>
-        <p:spPr>
-          <a:xfrm>
-            <a:off x="252480" y="548728"/>
-            <a:ext cx="8640000" cy="432000"/>
-          </a:xfrm>
-          <a:prstGeom prst="rect">
-            <a:avLst/>
-          </a:prstGeom>
-          <a:solidFill>
-            <a:schemeClr val="accent1">
-              <a:lumMod val="20000"/>
-              <a:lumOff val="80000"/>
-            </a:schemeClr>
-          </a:solidFill>
-          <a:ln>
-            <a:solidFill>
-              <a:schemeClr val="accent1">
-                <a:lumMod val="60000"/>
-                <a:lumOff val="40000"/>
-              </a:schemeClr>
-            </a:solidFill>
-          </a:ln>
-        </p:spPr>
-        <p:style>
-          <a:lnRef idx="2">
-            <a:schemeClr val="accent1">
-              <a:shade val="50000"/>
-            </a:schemeClr>
-          </a:lnRef>
-          <a:fillRef idx="1">
-            <a:schemeClr val="accent1"/>
-          </a:fillRef>
-          <a:effectRef idx="0">
-            <a:schemeClr val="accent1"/>
-          </a:effectRef>
-          <a:fontRef idx="minor">
-            <a:schemeClr val="lt1"/>
-          </a:fontRef>
-        </p:style>
-        <p:txBody>
-          <a:bodyPr rIns="0" rtlCol="0" anchor="b"/>
-          <a:lstStyle/>
-          <a:p>
-            <a:pPr algn="l"/>
-            <a:r>
-              <a:rPr lang="en-US" altLang="ja-JP" sz="1600" b="1" dirty="0" err="1" smtClean="0">
-                <a:solidFill>
-                  <a:schemeClr val="tx1"/>
-                </a:solidFill>
-                <a:latin typeface="メイリオ" panose="020B0604030504040204" pitchFamily="50" charset="-128"/>
-                <a:ea typeface="メイリオ" panose="020B0604030504040204" pitchFamily="50" charset="-128"/>
-                <a:cs typeface="メイリオ" panose="020B0604030504040204" pitchFamily="50" charset="-128"/>
-              </a:rPr>
-              <a:t>MMatrixSearch</a:t>
-            </a:r>
-            <a:r>
-              <a:rPr lang="ja-JP" altLang="en-US" sz="1600" b="1" dirty="0" smtClean="0">
-                <a:solidFill>
-                  <a:schemeClr val="tx1"/>
-                </a:solidFill>
-                <a:latin typeface="メイリオ" panose="020B0604030504040204" pitchFamily="50" charset="-128"/>
-                <a:ea typeface="メイリオ" panose="020B0604030504040204" pitchFamily="50" charset="-128"/>
-                <a:cs typeface="メイリオ" panose="020B0604030504040204" pitchFamily="50" charset="-128"/>
-              </a:rPr>
-              <a:t>クラスの</a:t>
-            </a:r>
-            <a:r>
-              <a:rPr lang="en-US" altLang="ja-JP" sz="1600" b="1" dirty="0" err="1" smtClean="0">
-                <a:solidFill>
-                  <a:schemeClr val="tx1"/>
-                </a:solidFill>
-                <a:latin typeface="メイリオ" panose="020B0604030504040204" pitchFamily="50" charset="-128"/>
-                <a:ea typeface="メイリオ" panose="020B0604030504040204" pitchFamily="50" charset="-128"/>
-                <a:cs typeface="メイリオ" panose="020B0604030504040204" pitchFamily="50" charset="-128"/>
-              </a:rPr>
-              <a:t>beforeSave</a:t>
-            </a:r>
-            <a:r>
-              <a:rPr lang="en-US" altLang="ja-JP" sz="1600" b="1" dirty="0" smtClean="0">
-                <a:solidFill>
-                  <a:schemeClr val="tx1"/>
-                </a:solidFill>
-                <a:latin typeface="メイリオ" panose="020B0604030504040204" pitchFamily="50" charset="-128"/>
-                <a:ea typeface="メイリオ" panose="020B0604030504040204" pitchFamily="50" charset="-128"/>
-                <a:cs typeface="メイリオ" panose="020B0604030504040204" pitchFamily="50" charset="-128"/>
-              </a:rPr>
-              <a:t>()</a:t>
-            </a:r>
-            <a:r>
-              <a:rPr lang="ja-JP" altLang="en-US" sz="1600" b="1" dirty="0" smtClean="0">
-                <a:solidFill>
-                  <a:schemeClr val="tx1"/>
-                </a:solidFill>
-                <a:latin typeface="メイリオ" panose="020B0604030504040204" pitchFamily="50" charset="-128"/>
-                <a:ea typeface="メイリオ" panose="020B0604030504040204" pitchFamily="50" charset="-128"/>
-                <a:cs typeface="メイリオ" panose="020B0604030504040204" pitchFamily="50" charset="-128"/>
-              </a:rPr>
-              <a:t>メソッド</a:t>
-            </a:r>
-            <a:endParaRPr lang="en-US" altLang="ja-JP" sz="1600" b="1" dirty="0" smtClean="0">
-              <a:solidFill>
-                <a:schemeClr val="tx1"/>
-              </a:solidFill>
-              <a:latin typeface="メイリオ" panose="020B0604030504040204" pitchFamily="50" charset="-128"/>
-              <a:ea typeface="メイリオ" panose="020B0604030504040204" pitchFamily="50" charset="-128"/>
-              <a:cs typeface="メイリオ" panose="020B0604030504040204" pitchFamily="50" charset="-128"/>
-            </a:endParaRPr>
-          </a:p>
-        </p:txBody>
-      </p:sp>
-      <p:sp>
-        <p:nvSpPr>
-          <p:cNvPr id="9" name="正方形/長方形 8"/>
-          <p:cNvSpPr/>
-          <p:nvPr/>
-        </p:nvSpPr>
-        <p:spPr>
-          <a:xfrm>
-            <a:off x="252480" y="3645024"/>
-            <a:ext cx="8640000" cy="432000"/>
-          </a:xfrm>
-          <a:prstGeom prst="rect">
-            <a:avLst/>
-          </a:prstGeom>
-          <a:solidFill>
-            <a:schemeClr val="accent1">
-              <a:lumMod val="20000"/>
-              <a:lumOff val="80000"/>
-            </a:schemeClr>
-          </a:solidFill>
-          <a:ln>
-            <a:solidFill>
-              <a:schemeClr val="accent1">
-                <a:lumMod val="60000"/>
-                <a:lumOff val="40000"/>
-              </a:schemeClr>
-            </a:solidFill>
-          </a:ln>
-        </p:spPr>
-        <p:style>
-          <a:lnRef idx="2">
-            <a:schemeClr val="accent1">
-              <a:shade val="50000"/>
-            </a:schemeClr>
-          </a:lnRef>
-          <a:fillRef idx="1">
-            <a:schemeClr val="accent1"/>
-          </a:fillRef>
-          <a:effectRef idx="0">
-            <a:schemeClr val="accent1"/>
-          </a:effectRef>
-          <a:fontRef idx="minor">
-            <a:schemeClr val="lt1"/>
-          </a:fontRef>
-        </p:style>
-        <p:txBody>
-          <a:bodyPr rIns="0" rtlCol="0" anchor="b"/>
-          <a:lstStyle/>
-          <a:p>
-            <a:pPr algn="l"/>
-            <a:r>
-              <a:rPr lang="en-US" altLang="ja-JP" sz="1600" b="1" dirty="0" err="1" smtClean="0">
-                <a:solidFill>
-                  <a:schemeClr val="tx1"/>
-                </a:solidFill>
-                <a:latin typeface="メイリオ" panose="020B0604030504040204" pitchFamily="50" charset="-128"/>
-                <a:ea typeface="メイリオ" panose="020B0604030504040204" pitchFamily="50" charset="-128"/>
-                <a:cs typeface="メイリオ" panose="020B0604030504040204" pitchFamily="50" charset="-128"/>
-              </a:rPr>
-              <a:t>MMatrixSearch</a:t>
-            </a:r>
-            <a:r>
-              <a:rPr lang="ja-JP" altLang="en-US" sz="1600" b="1" dirty="0" smtClean="0">
-                <a:solidFill>
-                  <a:schemeClr val="tx1"/>
-                </a:solidFill>
-                <a:latin typeface="メイリオ" panose="020B0604030504040204" pitchFamily="50" charset="-128"/>
-                <a:ea typeface="メイリオ" panose="020B0604030504040204" pitchFamily="50" charset="-128"/>
-                <a:cs typeface="メイリオ" panose="020B0604030504040204" pitchFamily="50" charset="-128"/>
-              </a:rPr>
-              <a:t>クラスのユーティリティメソッド</a:t>
-            </a:r>
-            <a:endParaRPr lang="en-US" altLang="ja-JP" sz="1600" b="1" dirty="0" smtClean="0">
-              <a:solidFill>
-                <a:schemeClr val="tx1"/>
-              </a:solidFill>
-              <a:latin typeface="メイリオ" panose="020B0604030504040204" pitchFamily="50" charset="-128"/>
-              <a:ea typeface="メイリオ" panose="020B0604030504040204" pitchFamily="50" charset="-128"/>
-              <a:cs typeface="メイリオ" panose="020B0604030504040204" pitchFamily="50" charset="-128"/>
-            </a:endParaRPr>
-          </a:p>
-        </p:txBody>
-      </p:sp>
-      <p:sp>
-        <p:nvSpPr>
-          <p:cNvPr id="10" name="コンテンツ プレースホルダー 2"/>
-          <p:cNvSpPr txBox="1">
-            <a:spLocks/>
-          </p:cNvSpPr>
-          <p:nvPr/>
-        </p:nvSpPr>
-        <p:spPr>
-          <a:xfrm>
-            <a:off x="251520" y="4149032"/>
-            <a:ext cx="8635144" cy="792088"/>
-          </a:xfrm>
-          <a:prstGeom prst="rect">
-            <a:avLst/>
-          </a:prstGeom>
-          <a:noFill/>
-          <a:ln>
-            <a:noFill/>
-          </a:ln>
-        </p:spPr>
-        <p:style>
-          <a:lnRef idx="2">
-            <a:schemeClr val="accent1">
-              <a:shade val="50000"/>
-            </a:schemeClr>
-          </a:lnRef>
-          <a:fillRef idx="1">
-            <a:schemeClr val="accent1"/>
-          </a:fillRef>
-          <a:effectRef idx="0">
-            <a:schemeClr val="accent1"/>
-          </a:effectRef>
-          <a:fontRef idx="minor">
-            <a:schemeClr val="lt1"/>
-          </a:fontRef>
-        </p:style>
-        <p:txBody>
-          <a:bodyPr rtlCol="0" anchor="t"/>
-          <a:lstStyle>
-            <a:defPPr>
-              <a:defRPr lang="ja-JP"/>
-            </a:defPPr>
-            <a:lvl1pPr marL="0" indent="0" algn="just" eaLnBrk="1" hangingPunct="1">
-              <a:lnSpc>
-                <a:spcPct val="120000"/>
-              </a:lnSpc>
-              <a:spcBef>
-                <a:spcPts val="1200"/>
-              </a:spcBef>
-              <a:buNone/>
-              <a:defRPr sz="1800" kern="0">
-                <a:latin typeface="メイリオ" panose="020B0604030504040204" pitchFamily="50" charset="-128"/>
-                <a:ea typeface="メイリオ" panose="020B0604030504040204" pitchFamily="50" charset="-128"/>
-                <a:cs typeface="メイリオ" panose="020B0604030504040204" pitchFamily="50" charset="-128"/>
-              </a:defRPr>
-            </a:lvl1pPr>
-            <a:lvl2pPr>
-              <a:defRPr>
-                <a:solidFill>
-                  <a:schemeClr val="lt1"/>
-                </a:solidFill>
-                <a:latin typeface="+mn-lt"/>
-                <a:ea typeface="+mn-ea"/>
-              </a:defRPr>
-            </a:lvl2pPr>
-            <a:lvl3pPr>
-              <a:defRPr>
-                <a:solidFill>
-                  <a:schemeClr val="lt1"/>
-                </a:solidFill>
-                <a:latin typeface="+mn-lt"/>
-                <a:ea typeface="+mn-ea"/>
-              </a:defRPr>
-            </a:lvl3pPr>
-            <a:lvl4pPr>
-              <a:defRPr>
-                <a:solidFill>
-                  <a:schemeClr val="lt1"/>
-                </a:solidFill>
-                <a:latin typeface="+mn-lt"/>
-                <a:ea typeface="+mn-ea"/>
-              </a:defRPr>
-            </a:lvl4pPr>
-            <a:lvl5pPr>
-              <a:defRPr>
-                <a:solidFill>
-                  <a:schemeClr val="lt1"/>
-                </a:solidFill>
-                <a:latin typeface="+mn-lt"/>
-                <a:ea typeface="+mn-ea"/>
-              </a:defRPr>
-            </a:lvl5pPr>
-            <a:lvl6pPr>
-              <a:defRPr>
-                <a:solidFill>
-                  <a:schemeClr val="lt1"/>
-                </a:solidFill>
-                <a:latin typeface="+mn-lt"/>
-                <a:ea typeface="+mn-ea"/>
-              </a:defRPr>
-            </a:lvl6pPr>
-            <a:lvl7pPr>
-              <a:defRPr>
-                <a:solidFill>
-                  <a:schemeClr val="lt1"/>
-                </a:solidFill>
-                <a:latin typeface="+mn-lt"/>
-                <a:ea typeface="+mn-ea"/>
-              </a:defRPr>
-            </a:lvl7pPr>
-            <a:lvl8pPr>
-              <a:defRPr>
-                <a:solidFill>
-                  <a:schemeClr val="lt1"/>
-                </a:solidFill>
-                <a:latin typeface="+mn-lt"/>
-                <a:ea typeface="+mn-ea"/>
-              </a:defRPr>
-            </a:lvl8pPr>
-            <a:lvl9pPr>
-              <a:defRPr>
-                <a:solidFill>
-                  <a:schemeClr val="lt1"/>
-                </a:solidFill>
-                <a:latin typeface="+mn-lt"/>
-                <a:ea typeface="+mn-ea"/>
-              </a:defRPr>
-            </a:lvl9pPr>
-          </a:lstStyle>
-          <a:p>
-            <a:pPr marL="171450" indent="-171450">
-              <a:spcBef>
-                <a:spcPts val="600"/>
-              </a:spcBef>
-              <a:buFont typeface="Arial" panose="020B0604020202020204" pitchFamily="34" charset="0"/>
-              <a:buChar char="•"/>
-            </a:pPr>
-            <a:r>
-              <a:rPr lang="ja-JP" altLang="en-US" sz="1050" dirty="0">
-                <a:solidFill>
-                  <a:schemeClr val="tx1"/>
-                </a:solidFill>
-              </a:rPr>
-              <a:t>親</a:t>
-            </a:r>
-            <a:r>
-              <a:rPr lang="ja-JP" altLang="en-US" sz="1050" dirty="0" smtClean="0">
-                <a:solidFill>
-                  <a:schemeClr val="tx1"/>
-                </a:solidFill>
-              </a:rPr>
-              <a:t>タブとなる</a:t>
-            </a:r>
-            <a:r>
-              <a:rPr lang="en-US" altLang="ja-JP" sz="1050" dirty="0" err="1" smtClean="0">
-                <a:solidFill>
-                  <a:schemeClr val="tx1"/>
-                </a:solidFill>
-              </a:rPr>
-              <a:t>JP_MatrixWindow</a:t>
-            </a:r>
-            <a:r>
-              <a:rPr lang="ja-JP" altLang="en-US" sz="1050" dirty="0" smtClean="0">
-                <a:solidFill>
-                  <a:schemeClr val="tx1"/>
-                </a:solidFill>
-              </a:rPr>
-              <a:t>テーブルのインスタンス</a:t>
-            </a:r>
-            <a:r>
-              <a:rPr lang="en-US" altLang="ja-JP" sz="1050" dirty="0" smtClean="0">
-                <a:solidFill>
-                  <a:schemeClr val="tx1"/>
-                </a:solidFill>
-              </a:rPr>
-              <a:t>(</a:t>
-            </a:r>
-            <a:r>
-              <a:rPr lang="en-US" altLang="ja-JP" sz="1050" dirty="0" err="1" smtClean="0">
-                <a:solidFill>
-                  <a:schemeClr val="tx1"/>
-                </a:solidFill>
-              </a:rPr>
-              <a:t>MMatrixWindow</a:t>
-            </a:r>
-            <a:r>
-              <a:rPr lang="ja-JP" altLang="en-US" sz="1050" dirty="0" smtClean="0">
-                <a:solidFill>
-                  <a:schemeClr val="tx1"/>
-                </a:solidFill>
-              </a:rPr>
-              <a:t>クラスのインスタンス</a:t>
-            </a:r>
-            <a:r>
-              <a:rPr lang="en-US" altLang="ja-JP" sz="1050" dirty="0" smtClean="0">
-                <a:solidFill>
-                  <a:schemeClr val="tx1"/>
-                </a:solidFill>
-              </a:rPr>
-              <a:t>)</a:t>
-            </a:r>
-            <a:r>
-              <a:rPr lang="ja-JP" altLang="en-US" sz="1050" dirty="0" smtClean="0">
-                <a:solidFill>
-                  <a:schemeClr val="tx1"/>
-                </a:solidFill>
-              </a:rPr>
-              <a:t>が取得できる</a:t>
-            </a:r>
-            <a:r>
-              <a:rPr lang="en-US" altLang="ja-JP" sz="1050" dirty="0" smtClean="0">
-                <a:solidFill>
-                  <a:schemeClr val="tx1"/>
-                </a:solidFill>
-              </a:rPr>
-              <a:t>Getter</a:t>
-            </a:r>
-            <a:r>
-              <a:rPr lang="ja-JP" altLang="en-US" sz="1050" dirty="0" smtClean="0">
-                <a:solidFill>
-                  <a:schemeClr val="tx1"/>
-                </a:solidFill>
-              </a:rPr>
-              <a:t>メソッド。</a:t>
-            </a:r>
-            <a:endParaRPr lang="en-US" altLang="ja-JP" sz="1050" dirty="0" smtClean="0">
-              <a:solidFill>
-                <a:schemeClr val="tx1"/>
-              </a:solidFill>
-            </a:endParaRPr>
-          </a:p>
-        </p:txBody>
-      </p:sp>
-      <p:sp>
-        <p:nvSpPr>
-          <p:cNvPr id="11" name="正方形/長方形 10"/>
-          <p:cNvSpPr/>
-          <p:nvPr/>
-        </p:nvSpPr>
-        <p:spPr>
-          <a:xfrm>
-            <a:off x="251520" y="2060848"/>
-            <a:ext cx="8640000" cy="432000"/>
-          </a:xfrm>
-          <a:prstGeom prst="rect">
-            <a:avLst/>
-          </a:prstGeom>
-          <a:solidFill>
-            <a:schemeClr val="accent1">
-              <a:lumMod val="20000"/>
-              <a:lumOff val="80000"/>
-            </a:schemeClr>
-          </a:solidFill>
-          <a:ln>
-            <a:solidFill>
-              <a:schemeClr val="accent1">
-                <a:lumMod val="60000"/>
-                <a:lumOff val="40000"/>
-              </a:schemeClr>
-            </a:solidFill>
-          </a:ln>
-        </p:spPr>
-        <p:style>
-          <a:lnRef idx="2">
-            <a:schemeClr val="accent1">
-              <a:shade val="50000"/>
-            </a:schemeClr>
-          </a:lnRef>
-          <a:fillRef idx="1">
-            <a:schemeClr val="accent1"/>
-          </a:fillRef>
-          <a:effectRef idx="0">
-            <a:schemeClr val="accent1"/>
-          </a:effectRef>
-          <a:fontRef idx="minor">
-            <a:schemeClr val="lt1"/>
-          </a:fontRef>
-        </p:style>
-        <p:txBody>
-          <a:bodyPr rIns="0" rtlCol="0" anchor="b"/>
-          <a:lstStyle/>
-          <a:p>
-            <a:pPr algn="l"/>
-            <a:r>
-              <a:rPr lang="en-US" altLang="ja-JP" sz="1600" b="1" dirty="0" err="1" smtClean="0">
-                <a:solidFill>
-                  <a:schemeClr val="tx1"/>
-                </a:solidFill>
-                <a:latin typeface="メイリオ" panose="020B0604030504040204" pitchFamily="50" charset="-128"/>
-                <a:ea typeface="メイリオ" panose="020B0604030504040204" pitchFamily="50" charset="-128"/>
-                <a:cs typeface="メイリオ" panose="020B0604030504040204" pitchFamily="50" charset="-128"/>
-              </a:rPr>
-              <a:t>MMatrixSearch</a:t>
-            </a:r>
-            <a:r>
-              <a:rPr lang="ja-JP" altLang="en-US" sz="1600" b="1" dirty="0" smtClean="0">
-                <a:solidFill>
-                  <a:schemeClr val="tx1"/>
-                </a:solidFill>
-                <a:latin typeface="メイリオ" panose="020B0604030504040204" pitchFamily="50" charset="-128"/>
-                <a:ea typeface="メイリオ" panose="020B0604030504040204" pitchFamily="50" charset="-128"/>
-                <a:cs typeface="メイリオ" panose="020B0604030504040204" pitchFamily="50" charset="-128"/>
-              </a:rPr>
-              <a:t>クラスの</a:t>
-            </a:r>
-            <a:r>
-              <a:rPr lang="en-US" altLang="ja-JP" sz="1600" b="1" dirty="0" err="1" smtClean="0">
-                <a:solidFill>
-                  <a:schemeClr val="tx1"/>
-                </a:solidFill>
-                <a:latin typeface="メイリオ" panose="020B0604030504040204" pitchFamily="50" charset="-128"/>
-                <a:ea typeface="メイリオ" panose="020B0604030504040204" pitchFamily="50" charset="-128"/>
-                <a:cs typeface="メイリオ" panose="020B0604030504040204" pitchFamily="50" charset="-128"/>
-              </a:rPr>
-              <a:t>afterSave</a:t>
-            </a:r>
-            <a:r>
-              <a:rPr lang="en-US" altLang="ja-JP" sz="1600" b="1" dirty="0" smtClean="0">
-                <a:solidFill>
-                  <a:schemeClr val="tx1"/>
-                </a:solidFill>
-                <a:latin typeface="メイリオ" panose="020B0604030504040204" pitchFamily="50" charset="-128"/>
-                <a:ea typeface="メイリオ" panose="020B0604030504040204" pitchFamily="50" charset="-128"/>
-                <a:cs typeface="メイリオ" panose="020B0604030504040204" pitchFamily="50" charset="-128"/>
-              </a:rPr>
-              <a:t>()</a:t>
-            </a:r>
-            <a:r>
-              <a:rPr lang="ja-JP" altLang="en-US" sz="1600" b="1" dirty="0" smtClean="0">
-                <a:solidFill>
-                  <a:schemeClr val="tx1"/>
-                </a:solidFill>
-                <a:latin typeface="メイリオ" panose="020B0604030504040204" pitchFamily="50" charset="-128"/>
-                <a:ea typeface="メイリオ" panose="020B0604030504040204" pitchFamily="50" charset="-128"/>
-                <a:cs typeface="メイリオ" panose="020B0604030504040204" pitchFamily="50" charset="-128"/>
-              </a:rPr>
-              <a:t>メソッド</a:t>
-            </a:r>
-            <a:endParaRPr lang="en-US" altLang="ja-JP" sz="1600" b="1" dirty="0" smtClean="0">
-              <a:solidFill>
-                <a:schemeClr val="tx1"/>
-              </a:solidFill>
-              <a:latin typeface="メイリオ" panose="020B0604030504040204" pitchFamily="50" charset="-128"/>
-              <a:ea typeface="メイリオ" panose="020B0604030504040204" pitchFamily="50" charset="-128"/>
-              <a:cs typeface="メイリオ" panose="020B0604030504040204" pitchFamily="50" charset="-128"/>
-            </a:endParaRPr>
-          </a:p>
-        </p:txBody>
-      </p:sp>
-      <p:sp>
-        <p:nvSpPr>
-          <p:cNvPr id="12" name="コンテンツ プレースホルダー 2"/>
-          <p:cNvSpPr txBox="1">
-            <a:spLocks/>
-          </p:cNvSpPr>
-          <p:nvPr/>
-        </p:nvSpPr>
-        <p:spPr>
-          <a:xfrm>
-            <a:off x="251520" y="2564904"/>
-            <a:ext cx="8635144" cy="792088"/>
-          </a:xfrm>
-          <a:prstGeom prst="rect">
-            <a:avLst/>
-          </a:prstGeom>
-          <a:noFill/>
-          <a:ln>
-            <a:noFill/>
-          </a:ln>
-        </p:spPr>
-        <p:style>
-          <a:lnRef idx="2">
-            <a:schemeClr val="accent1">
-              <a:shade val="50000"/>
-            </a:schemeClr>
-          </a:lnRef>
-          <a:fillRef idx="1">
-            <a:schemeClr val="accent1"/>
-          </a:fillRef>
-          <a:effectRef idx="0">
-            <a:schemeClr val="accent1"/>
-          </a:effectRef>
-          <a:fontRef idx="minor">
-            <a:schemeClr val="lt1"/>
-          </a:fontRef>
-        </p:style>
-        <p:txBody>
-          <a:bodyPr rtlCol="0" anchor="t"/>
-          <a:lstStyle>
-            <a:defPPr>
-              <a:defRPr lang="ja-JP"/>
-            </a:defPPr>
-            <a:lvl1pPr marL="0" indent="0" algn="just" eaLnBrk="1" hangingPunct="1">
-              <a:lnSpc>
-                <a:spcPct val="120000"/>
-              </a:lnSpc>
-              <a:spcBef>
-                <a:spcPts val="1200"/>
-              </a:spcBef>
-              <a:buNone/>
-              <a:defRPr sz="1800" kern="0">
-                <a:latin typeface="メイリオ" panose="020B0604030504040204" pitchFamily="50" charset="-128"/>
-                <a:ea typeface="メイリオ" panose="020B0604030504040204" pitchFamily="50" charset="-128"/>
-                <a:cs typeface="メイリオ" panose="020B0604030504040204" pitchFamily="50" charset="-128"/>
-              </a:defRPr>
-            </a:lvl1pPr>
-            <a:lvl2pPr>
-              <a:defRPr>
-                <a:solidFill>
-                  <a:schemeClr val="lt1"/>
-                </a:solidFill>
-                <a:latin typeface="+mn-lt"/>
-                <a:ea typeface="+mn-ea"/>
-              </a:defRPr>
-            </a:lvl2pPr>
-            <a:lvl3pPr>
-              <a:defRPr>
-                <a:solidFill>
-                  <a:schemeClr val="lt1"/>
-                </a:solidFill>
-                <a:latin typeface="+mn-lt"/>
-                <a:ea typeface="+mn-ea"/>
-              </a:defRPr>
-            </a:lvl3pPr>
-            <a:lvl4pPr>
-              <a:defRPr>
-                <a:solidFill>
-                  <a:schemeClr val="lt1"/>
-                </a:solidFill>
-                <a:latin typeface="+mn-lt"/>
-                <a:ea typeface="+mn-ea"/>
-              </a:defRPr>
-            </a:lvl4pPr>
-            <a:lvl5pPr>
-              <a:defRPr>
-                <a:solidFill>
-                  <a:schemeClr val="lt1"/>
-                </a:solidFill>
-                <a:latin typeface="+mn-lt"/>
-                <a:ea typeface="+mn-ea"/>
-              </a:defRPr>
-            </a:lvl5pPr>
-            <a:lvl6pPr>
-              <a:defRPr>
-                <a:solidFill>
-                  <a:schemeClr val="lt1"/>
-                </a:solidFill>
-                <a:latin typeface="+mn-lt"/>
-                <a:ea typeface="+mn-ea"/>
-              </a:defRPr>
-            </a:lvl6pPr>
-            <a:lvl7pPr>
-              <a:defRPr>
-                <a:solidFill>
-                  <a:schemeClr val="lt1"/>
-                </a:solidFill>
-                <a:latin typeface="+mn-lt"/>
-                <a:ea typeface="+mn-ea"/>
-              </a:defRPr>
-            </a:lvl7pPr>
-            <a:lvl8pPr>
-              <a:defRPr>
-                <a:solidFill>
-                  <a:schemeClr val="lt1"/>
-                </a:solidFill>
-                <a:latin typeface="+mn-lt"/>
-                <a:ea typeface="+mn-ea"/>
-              </a:defRPr>
-            </a:lvl8pPr>
-            <a:lvl9pPr>
-              <a:defRPr>
-                <a:solidFill>
-                  <a:schemeClr val="lt1"/>
-                </a:solidFill>
-                <a:latin typeface="+mn-lt"/>
-                <a:ea typeface="+mn-ea"/>
-              </a:defRPr>
-            </a:lvl9pPr>
-          </a:lstStyle>
-          <a:p>
-            <a:pPr marL="171450" indent="-171450">
-              <a:spcBef>
-                <a:spcPts val="600"/>
-              </a:spcBef>
-              <a:buFont typeface="Arial" panose="020B0604020202020204" pitchFamily="34" charset="0"/>
-              <a:buChar char="•"/>
-            </a:pPr>
-            <a:r>
-              <a:rPr lang="ja-JP" altLang="en-US" sz="1050" dirty="0" smtClean="0">
-                <a:solidFill>
-                  <a:schemeClr val="tx1"/>
-                </a:solidFill>
-              </a:rPr>
-              <a:t>必須フラグが</a:t>
-            </a:r>
-            <a:r>
-              <a:rPr lang="en-US" altLang="ja-JP" sz="1050" dirty="0" smtClean="0">
-                <a:solidFill>
-                  <a:schemeClr val="tx1"/>
-                </a:solidFill>
-              </a:rPr>
-              <a:t>ON</a:t>
-            </a:r>
-            <a:r>
-              <a:rPr lang="ja-JP" altLang="en-US" sz="1050" dirty="0" smtClean="0">
-                <a:solidFill>
-                  <a:schemeClr val="tx1"/>
-                </a:solidFill>
-              </a:rPr>
-              <a:t>の場合、ユニーク制約が正しく設定されている事を確認する。</a:t>
-            </a:r>
-            <a:endParaRPr lang="en-US" altLang="ja-JP" sz="1050" dirty="0" smtClean="0">
-              <a:solidFill>
-                <a:schemeClr val="tx1"/>
-              </a:solidFill>
-            </a:endParaRPr>
-          </a:p>
-        </p:txBody>
-      </p:sp>
-    </p:spTree>
-    <p:extLst>
-      <p:ext uri="{BB962C8B-B14F-4D97-AF65-F5344CB8AC3E}">
-        <p14:creationId xmlns:p14="http://schemas.microsoft.com/office/powerpoint/2010/main" val="2310906283"/>
-      </p:ext>
-    </p:extLst>
-  </p:cSld>
-  <p:clrMapOvr>
-    <a:masterClrMapping/>
-  </p:clrMapOvr>
-</p:sld>
-</file>
-
 <file path=ppt/slides/slide2.xml><?xml version="1.0" encoding="utf-8"?>
 <p:sld xmlns:a="http://schemas.openxmlformats.org/drawingml/2006/main" xmlns:r="http://schemas.openxmlformats.org/officeDocument/2006/relationships" xmlns:p="http://schemas.openxmlformats.org/presentationml/2006/main">
   <p:cSld>
@@ -31747,6 +31285,982 @@
               <a:t>】</a:t>
             </a:r>
             <a:r>
+              <a:rPr lang="ja-JP" altLang="en-US" dirty="0"/>
+              <a:t>マトリクスウィンドウの設定画面</a:t>
+            </a:r>
+            <a:endParaRPr kumimoji="1" lang="ja-JP" altLang="en-US" dirty="0"/>
+          </a:p>
+        </p:txBody>
+      </p:sp>
+      <p:sp>
+        <p:nvSpPr>
+          <p:cNvPr id="7" name="コンテンツ プレースホルダー 2"/>
+          <p:cNvSpPr txBox="1">
+            <a:spLocks/>
+          </p:cNvSpPr>
+          <p:nvPr/>
+        </p:nvSpPr>
+        <p:spPr>
+          <a:xfrm>
+            <a:off x="256376" y="1052736"/>
+            <a:ext cx="8635144" cy="1747712"/>
+          </a:xfrm>
+          <a:prstGeom prst="rect">
+            <a:avLst/>
+          </a:prstGeom>
+          <a:noFill/>
+          <a:ln>
+            <a:noFill/>
+          </a:ln>
+        </p:spPr>
+        <p:style>
+          <a:lnRef idx="2">
+            <a:schemeClr val="accent1">
+              <a:shade val="50000"/>
+            </a:schemeClr>
+          </a:lnRef>
+          <a:fillRef idx="1">
+            <a:schemeClr val="accent1"/>
+          </a:fillRef>
+          <a:effectRef idx="0">
+            <a:schemeClr val="accent1"/>
+          </a:effectRef>
+          <a:fontRef idx="minor">
+            <a:schemeClr val="lt1"/>
+          </a:fontRef>
+        </p:style>
+        <p:txBody>
+          <a:bodyPr rtlCol="0" anchor="t"/>
+          <a:lstStyle>
+            <a:defPPr>
+              <a:defRPr lang="ja-JP"/>
+            </a:defPPr>
+            <a:lvl1pPr marL="0" indent="0" algn="just" eaLnBrk="1" hangingPunct="1">
+              <a:lnSpc>
+                <a:spcPct val="120000"/>
+              </a:lnSpc>
+              <a:spcBef>
+                <a:spcPts val="1200"/>
+              </a:spcBef>
+              <a:buNone/>
+              <a:defRPr sz="1800" kern="0">
+                <a:latin typeface="メイリオ" panose="020B0604030504040204" pitchFamily="50" charset="-128"/>
+                <a:ea typeface="メイリオ" panose="020B0604030504040204" pitchFamily="50" charset="-128"/>
+                <a:cs typeface="メイリオ" panose="020B0604030504040204" pitchFamily="50" charset="-128"/>
+              </a:defRPr>
+            </a:lvl1pPr>
+            <a:lvl2pPr>
+              <a:defRPr>
+                <a:solidFill>
+                  <a:schemeClr val="lt1"/>
+                </a:solidFill>
+                <a:latin typeface="+mn-lt"/>
+                <a:ea typeface="+mn-ea"/>
+              </a:defRPr>
+            </a:lvl2pPr>
+            <a:lvl3pPr>
+              <a:defRPr>
+                <a:solidFill>
+                  <a:schemeClr val="lt1"/>
+                </a:solidFill>
+                <a:latin typeface="+mn-lt"/>
+                <a:ea typeface="+mn-ea"/>
+              </a:defRPr>
+            </a:lvl3pPr>
+            <a:lvl4pPr>
+              <a:defRPr>
+                <a:solidFill>
+                  <a:schemeClr val="lt1"/>
+                </a:solidFill>
+                <a:latin typeface="+mn-lt"/>
+                <a:ea typeface="+mn-ea"/>
+              </a:defRPr>
+            </a:lvl4pPr>
+            <a:lvl5pPr>
+              <a:defRPr>
+                <a:solidFill>
+                  <a:schemeClr val="lt1"/>
+                </a:solidFill>
+                <a:latin typeface="+mn-lt"/>
+                <a:ea typeface="+mn-ea"/>
+              </a:defRPr>
+            </a:lvl5pPr>
+            <a:lvl6pPr>
+              <a:defRPr>
+                <a:solidFill>
+                  <a:schemeClr val="lt1"/>
+                </a:solidFill>
+                <a:latin typeface="+mn-lt"/>
+                <a:ea typeface="+mn-ea"/>
+              </a:defRPr>
+            </a:lvl6pPr>
+            <a:lvl7pPr>
+              <a:defRPr>
+                <a:solidFill>
+                  <a:schemeClr val="lt1"/>
+                </a:solidFill>
+                <a:latin typeface="+mn-lt"/>
+                <a:ea typeface="+mn-ea"/>
+              </a:defRPr>
+            </a:lvl7pPr>
+            <a:lvl8pPr>
+              <a:defRPr>
+                <a:solidFill>
+                  <a:schemeClr val="lt1"/>
+                </a:solidFill>
+                <a:latin typeface="+mn-lt"/>
+                <a:ea typeface="+mn-ea"/>
+              </a:defRPr>
+            </a:lvl8pPr>
+            <a:lvl9pPr>
+              <a:defRPr>
+                <a:solidFill>
+                  <a:schemeClr val="lt1"/>
+                </a:solidFill>
+                <a:latin typeface="+mn-lt"/>
+                <a:ea typeface="+mn-ea"/>
+              </a:defRPr>
+            </a:lvl9pPr>
+          </a:lstStyle>
+          <a:p>
+            <a:pPr marL="171450" indent="-171450">
+              <a:spcBef>
+                <a:spcPts val="600"/>
+              </a:spcBef>
+              <a:buFont typeface="Arial" panose="020B0604020202020204" pitchFamily="34" charset="0"/>
+              <a:buChar char="•"/>
+            </a:pPr>
+            <a:r>
+              <a:rPr lang="ja-JP" altLang="en-US" sz="1050" dirty="0" smtClean="0">
+                <a:solidFill>
+                  <a:schemeClr val="tx1"/>
+                </a:solidFill>
+              </a:rPr>
+              <a:t>兄弟タブとなる</a:t>
+            </a:r>
+            <a:r>
+              <a:rPr lang="ja-JP" altLang="en-US" sz="1050" dirty="0">
+                <a:solidFill>
+                  <a:schemeClr val="tx1"/>
+                </a:solidFill>
+              </a:rPr>
+              <a:t>編集</a:t>
+            </a:r>
+            <a:r>
+              <a:rPr lang="ja-JP" altLang="en-US" sz="1050" dirty="0" smtClean="0">
+                <a:solidFill>
+                  <a:schemeClr val="tx1"/>
+                </a:solidFill>
+              </a:rPr>
+              <a:t>フィールドタブに含まれていないフィールドである事を確認する。</a:t>
+            </a:r>
+            <a:endParaRPr lang="en-US" altLang="ja-JP" sz="1050" dirty="0" smtClean="0">
+              <a:solidFill>
+                <a:schemeClr val="tx1"/>
+              </a:solidFill>
+            </a:endParaRPr>
+          </a:p>
+          <a:p>
+            <a:pPr marL="171450" indent="-171450">
+              <a:spcBef>
+                <a:spcPts val="600"/>
+              </a:spcBef>
+              <a:buFont typeface="Arial" panose="020B0604020202020204" pitchFamily="34" charset="0"/>
+              <a:buChar char="•"/>
+            </a:pPr>
+            <a:r>
+              <a:rPr lang="ja-JP" altLang="en-US" sz="1050" dirty="0" smtClean="0">
+                <a:solidFill>
+                  <a:schemeClr val="tx1"/>
+                </a:solidFill>
+              </a:rPr>
+              <a:t>フィールドが列キーと行キーになっていない事を確認する。</a:t>
+            </a:r>
+            <a:endParaRPr lang="en-US" altLang="ja-JP" sz="1050" dirty="0" smtClean="0">
+              <a:solidFill>
+                <a:schemeClr val="tx1"/>
+              </a:solidFill>
+            </a:endParaRPr>
+          </a:p>
+        </p:txBody>
+      </p:sp>
+      <p:sp>
+        <p:nvSpPr>
+          <p:cNvPr id="8" name="正方形/長方形 7"/>
+          <p:cNvSpPr/>
+          <p:nvPr/>
+        </p:nvSpPr>
+        <p:spPr>
+          <a:xfrm>
+            <a:off x="252480" y="548728"/>
+            <a:ext cx="8640000" cy="432000"/>
+          </a:xfrm>
+          <a:prstGeom prst="rect">
+            <a:avLst/>
+          </a:prstGeom>
+          <a:solidFill>
+            <a:schemeClr val="accent1">
+              <a:lumMod val="20000"/>
+              <a:lumOff val="80000"/>
+            </a:schemeClr>
+          </a:solidFill>
+          <a:ln>
+            <a:solidFill>
+              <a:schemeClr val="accent1">
+                <a:lumMod val="60000"/>
+                <a:lumOff val="40000"/>
+              </a:schemeClr>
+            </a:solidFill>
+          </a:ln>
+        </p:spPr>
+        <p:style>
+          <a:lnRef idx="2">
+            <a:schemeClr val="accent1">
+              <a:shade val="50000"/>
+            </a:schemeClr>
+          </a:lnRef>
+          <a:fillRef idx="1">
+            <a:schemeClr val="accent1"/>
+          </a:fillRef>
+          <a:effectRef idx="0">
+            <a:schemeClr val="accent1"/>
+          </a:effectRef>
+          <a:fontRef idx="minor">
+            <a:schemeClr val="lt1"/>
+          </a:fontRef>
+        </p:style>
+        <p:txBody>
+          <a:bodyPr rIns="0" rtlCol="0" anchor="b"/>
+          <a:lstStyle/>
+          <a:p>
+            <a:pPr algn="l"/>
+            <a:r>
+              <a:rPr lang="en-US" altLang="ja-JP" sz="1600" b="1" dirty="0" err="1" smtClean="0">
+                <a:solidFill>
+                  <a:schemeClr val="tx1"/>
+                </a:solidFill>
+                <a:latin typeface="メイリオ" panose="020B0604030504040204" pitchFamily="50" charset="-128"/>
+                <a:ea typeface="メイリオ" panose="020B0604030504040204" pitchFamily="50" charset="-128"/>
+                <a:cs typeface="メイリオ" panose="020B0604030504040204" pitchFamily="50" charset="-128"/>
+              </a:rPr>
+              <a:t>MMatrixSearch</a:t>
+            </a:r>
+            <a:r>
+              <a:rPr lang="ja-JP" altLang="en-US" sz="1600" b="1" dirty="0" smtClean="0">
+                <a:solidFill>
+                  <a:schemeClr val="tx1"/>
+                </a:solidFill>
+                <a:latin typeface="メイリオ" panose="020B0604030504040204" pitchFamily="50" charset="-128"/>
+                <a:ea typeface="メイリオ" panose="020B0604030504040204" pitchFamily="50" charset="-128"/>
+                <a:cs typeface="メイリオ" panose="020B0604030504040204" pitchFamily="50" charset="-128"/>
+              </a:rPr>
+              <a:t>クラスの</a:t>
+            </a:r>
+            <a:r>
+              <a:rPr lang="en-US" altLang="ja-JP" sz="1600" b="1" dirty="0" err="1" smtClean="0">
+                <a:solidFill>
+                  <a:schemeClr val="tx1"/>
+                </a:solidFill>
+                <a:latin typeface="メイリオ" panose="020B0604030504040204" pitchFamily="50" charset="-128"/>
+                <a:ea typeface="メイリオ" panose="020B0604030504040204" pitchFamily="50" charset="-128"/>
+                <a:cs typeface="メイリオ" panose="020B0604030504040204" pitchFamily="50" charset="-128"/>
+              </a:rPr>
+              <a:t>beforeSave</a:t>
+            </a:r>
+            <a:r>
+              <a:rPr lang="en-US" altLang="ja-JP" sz="1600" b="1" dirty="0" smtClean="0">
+                <a:solidFill>
+                  <a:schemeClr val="tx1"/>
+                </a:solidFill>
+                <a:latin typeface="メイリオ" panose="020B0604030504040204" pitchFamily="50" charset="-128"/>
+                <a:ea typeface="メイリオ" panose="020B0604030504040204" pitchFamily="50" charset="-128"/>
+                <a:cs typeface="メイリオ" panose="020B0604030504040204" pitchFamily="50" charset="-128"/>
+              </a:rPr>
+              <a:t>()</a:t>
+            </a:r>
+            <a:r>
+              <a:rPr lang="ja-JP" altLang="en-US" sz="1600" b="1" dirty="0" smtClean="0">
+                <a:solidFill>
+                  <a:schemeClr val="tx1"/>
+                </a:solidFill>
+                <a:latin typeface="メイリオ" panose="020B0604030504040204" pitchFamily="50" charset="-128"/>
+                <a:ea typeface="メイリオ" panose="020B0604030504040204" pitchFamily="50" charset="-128"/>
+                <a:cs typeface="メイリオ" panose="020B0604030504040204" pitchFamily="50" charset="-128"/>
+              </a:rPr>
+              <a:t>メソッド</a:t>
+            </a:r>
+            <a:endParaRPr lang="en-US" altLang="ja-JP" sz="1600" b="1" dirty="0" smtClean="0">
+              <a:solidFill>
+                <a:schemeClr val="tx1"/>
+              </a:solidFill>
+              <a:latin typeface="メイリオ" panose="020B0604030504040204" pitchFamily="50" charset="-128"/>
+              <a:ea typeface="メイリオ" panose="020B0604030504040204" pitchFamily="50" charset="-128"/>
+              <a:cs typeface="メイリオ" panose="020B0604030504040204" pitchFamily="50" charset="-128"/>
+            </a:endParaRPr>
+          </a:p>
+        </p:txBody>
+      </p:sp>
+      <p:sp>
+        <p:nvSpPr>
+          <p:cNvPr id="9" name="正方形/長方形 8"/>
+          <p:cNvSpPr/>
+          <p:nvPr/>
+        </p:nvSpPr>
+        <p:spPr>
+          <a:xfrm>
+            <a:off x="252480" y="3645024"/>
+            <a:ext cx="8640000" cy="432000"/>
+          </a:xfrm>
+          <a:prstGeom prst="rect">
+            <a:avLst/>
+          </a:prstGeom>
+          <a:solidFill>
+            <a:schemeClr val="accent1">
+              <a:lumMod val="20000"/>
+              <a:lumOff val="80000"/>
+            </a:schemeClr>
+          </a:solidFill>
+          <a:ln>
+            <a:solidFill>
+              <a:schemeClr val="accent1">
+                <a:lumMod val="60000"/>
+                <a:lumOff val="40000"/>
+              </a:schemeClr>
+            </a:solidFill>
+          </a:ln>
+        </p:spPr>
+        <p:style>
+          <a:lnRef idx="2">
+            <a:schemeClr val="accent1">
+              <a:shade val="50000"/>
+            </a:schemeClr>
+          </a:lnRef>
+          <a:fillRef idx="1">
+            <a:schemeClr val="accent1"/>
+          </a:fillRef>
+          <a:effectRef idx="0">
+            <a:schemeClr val="accent1"/>
+          </a:effectRef>
+          <a:fontRef idx="minor">
+            <a:schemeClr val="lt1"/>
+          </a:fontRef>
+        </p:style>
+        <p:txBody>
+          <a:bodyPr rIns="0" rtlCol="0" anchor="b"/>
+          <a:lstStyle/>
+          <a:p>
+            <a:pPr algn="l"/>
+            <a:r>
+              <a:rPr lang="en-US" altLang="ja-JP" sz="1600" b="1" dirty="0" err="1" smtClean="0">
+                <a:solidFill>
+                  <a:schemeClr val="tx1"/>
+                </a:solidFill>
+                <a:latin typeface="メイリオ" panose="020B0604030504040204" pitchFamily="50" charset="-128"/>
+                <a:ea typeface="メイリオ" panose="020B0604030504040204" pitchFamily="50" charset="-128"/>
+                <a:cs typeface="メイリオ" panose="020B0604030504040204" pitchFamily="50" charset="-128"/>
+              </a:rPr>
+              <a:t>MMatrixSearch</a:t>
+            </a:r>
+            <a:r>
+              <a:rPr lang="ja-JP" altLang="en-US" sz="1600" b="1" dirty="0" smtClean="0">
+                <a:solidFill>
+                  <a:schemeClr val="tx1"/>
+                </a:solidFill>
+                <a:latin typeface="メイリオ" panose="020B0604030504040204" pitchFamily="50" charset="-128"/>
+                <a:ea typeface="メイリオ" panose="020B0604030504040204" pitchFamily="50" charset="-128"/>
+                <a:cs typeface="メイリオ" panose="020B0604030504040204" pitchFamily="50" charset="-128"/>
+              </a:rPr>
+              <a:t>クラスのユーティリティメソッド</a:t>
+            </a:r>
+            <a:endParaRPr lang="en-US" altLang="ja-JP" sz="1600" b="1" dirty="0" smtClean="0">
+              <a:solidFill>
+                <a:schemeClr val="tx1"/>
+              </a:solidFill>
+              <a:latin typeface="メイリオ" panose="020B0604030504040204" pitchFamily="50" charset="-128"/>
+              <a:ea typeface="メイリオ" panose="020B0604030504040204" pitchFamily="50" charset="-128"/>
+              <a:cs typeface="メイリオ" panose="020B0604030504040204" pitchFamily="50" charset="-128"/>
+            </a:endParaRPr>
+          </a:p>
+        </p:txBody>
+      </p:sp>
+      <p:sp>
+        <p:nvSpPr>
+          <p:cNvPr id="10" name="コンテンツ プレースホルダー 2"/>
+          <p:cNvSpPr txBox="1">
+            <a:spLocks/>
+          </p:cNvSpPr>
+          <p:nvPr/>
+        </p:nvSpPr>
+        <p:spPr>
+          <a:xfrm>
+            <a:off x="251520" y="4149032"/>
+            <a:ext cx="8635144" cy="792088"/>
+          </a:xfrm>
+          <a:prstGeom prst="rect">
+            <a:avLst/>
+          </a:prstGeom>
+          <a:noFill/>
+          <a:ln>
+            <a:noFill/>
+          </a:ln>
+        </p:spPr>
+        <p:style>
+          <a:lnRef idx="2">
+            <a:schemeClr val="accent1">
+              <a:shade val="50000"/>
+            </a:schemeClr>
+          </a:lnRef>
+          <a:fillRef idx="1">
+            <a:schemeClr val="accent1"/>
+          </a:fillRef>
+          <a:effectRef idx="0">
+            <a:schemeClr val="accent1"/>
+          </a:effectRef>
+          <a:fontRef idx="minor">
+            <a:schemeClr val="lt1"/>
+          </a:fontRef>
+        </p:style>
+        <p:txBody>
+          <a:bodyPr rtlCol="0" anchor="t"/>
+          <a:lstStyle>
+            <a:defPPr>
+              <a:defRPr lang="ja-JP"/>
+            </a:defPPr>
+            <a:lvl1pPr marL="0" indent="0" algn="just" eaLnBrk="1" hangingPunct="1">
+              <a:lnSpc>
+                <a:spcPct val="120000"/>
+              </a:lnSpc>
+              <a:spcBef>
+                <a:spcPts val="1200"/>
+              </a:spcBef>
+              <a:buNone/>
+              <a:defRPr sz="1800" kern="0">
+                <a:latin typeface="メイリオ" panose="020B0604030504040204" pitchFamily="50" charset="-128"/>
+                <a:ea typeface="メイリオ" panose="020B0604030504040204" pitchFamily="50" charset="-128"/>
+                <a:cs typeface="メイリオ" panose="020B0604030504040204" pitchFamily="50" charset="-128"/>
+              </a:defRPr>
+            </a:lvl1pPr>
+            <a:lvl2pPr>
+              <a:defRPr>
+                <a:solidFill>
+                  <a:schemeClr val="lt1"/>
+                </a:solidFill>
+                <a:latin typeface="+mn-lt"/>
+                <a:ea typeface="+mn-ea"/>
+              </a:defRPr>
+            </a:lvl2pPr>
+            <a:lvl3pPr>
+              <a:defRPr>
+                <a:solidFill>
+                  <a:schemeClr val="lt1"/>
+                </a:solidFill>
+                <a:latin typeface="+mn-lt"/>
+                <a:ea typeface="+mn-ea"/>
+              </a:defRPr>
+            </a:lvl3pPr>
+            <a:lvl4pPr>
+              <a:defRPr>
+                <a:solidFill>
+                  <a:schemeClr val="lt1"/>
+                </a:solidFill>
+                <a:latin typeface="+mn-lt"/>
+                <a:ea typeface="+mn-ea"/>
+              </a:defRPr>
+            </a:lvl4pPr>
+            <a:lvl5pPr>
+              <a:defRPr>
+                <a:solidFill>
+                  <a:schemeClr val="lt1"/>
+                </a:solidFill>
+                <a:latin typeface="+mn-lt"/>
+                <a:ea typeface="+mn-ea"/>
+              </a:defRPr>
+            </a:lvl5pPr>
+            <a:lvl6pPr>
+              <a:defRPr>
+                <a:solidFill>
+                  <a:schemeClr val="lt1"/>
+                </a:solidFill>
+                <a:latin typeface="+mn-lt"/>
+                <a:ea typeface="+mn-ea"/>
+              </a:defRPr>
+            </a:lvl6pPr>
+            <a:lvl7pPr>
+              <a:defRPr>
+                <a:solidFill>
+                  <a:schemeClr val="lt1"/>
+                </a:solidFill>
+                <a:latin typeface="+mn-lt"/>
+                <a:ea typeface="+mn-ea"/>
+              </a:defRPr>
+            </a:lvl7pPr>
+            <a:lvl8pPr>
+              <a:defRPr>
+                <a:solidFill>
+                  <a:schemeClr val="lt1"/>
+                </a:solidFill>
+                <a:latin typeface="+mn-lt"/>
+                <a:ea typeface="+mn-ea"/>
+              </a:defRPr>
+            </a:lvl8pPr>
+            <a:lvl9pPr>
+              <a:defRPr>
+                <a:solidFill>
+                  <a:schemeClr val="lt1"/>
+                </a:solidFill>
+                <a:latin typeface="+mn-lt"/>
+                <a:ea typeface="+mn-ea"/>
+              </a:defRPr>
+            </a:lvl9pPr>
+          </a:lstStyle>
+          <a:p>
+            <a:pPr marL="171450" indent="-171450">
+              <a:spcBef>
+                <a:spcPts val="600"/>
+              </a:spcBef>
+              <a:buFont typeface="Arial" panose="020B0604020202020204" pitchFamily="34" charset="0"/>
+              <a:buChar char="•"/>
+            </a:pPr>
+            <a:r>
+              <a:rPr lang="ja-JP" altLang="en-US" sz="1050" dirty="0">
+                <a:solidFill>
+                  <a:schemeClr val="tx1"/>
+                </a:solidFill>
+              </a:rPr>
+              <a:t>親</a:t>
+            </a:r>
+            <a:r>
+              <a:rPr lang="ja-JP" altLang="en-US" sz="1050" dirty="0" smtClean="0">
+                <a:solidFill>
+                  <a:schemeClr val="tx1"/>
+                </a:solidFill>
+              </a:rPr>
+              <a:t>タブとなる</a:t>
+            </a:r>
+            <a:r>
+              <a:rPr lang="en-US" altLang="ja-JP" sz="1050" dirty="0" err="1" smtClean="0">
+                <a:solidFill>
+                  <a:schemeClr val="tx1"/>
+                </a:solidFill>
+              </a:rPr>
+              <a:t>JP_MatrixWindow</a:t>
+            </a:r>
+            <a:r>
+              <a:rPr lang="ja-JP" altLang="en-US" sz="1050" dirty="0" smtClean="0">
+                <a:solidFill>
+                  <a:schemeClr val="tx1"/>
+                </a:solidFill>
+              </a:rPr>
+              <a:t>テーブルのインスタンス</a:t>
+            </a:r>
+            <a:r>
+              <a:rPr lang="en-US" altLang="ja-JP" sz="1050" dirty="0" smtClean="0">
+                <a:solidFill>
+                  <a:schemeClr val="tx1"/>
+                </a:solidFill>
+              </a:rPr>
+              <a:t>(</a:t>
+            </a:r>
+            <a:r>
+              <a:rPr lang="en-US" altLang="ja-JP" sz="1050" dirty="0" err="1" smtClean="0">
+                <a:solidFill>
+                  <a:schemeClr val="tx1"/>
+                </a:solidFill>
+              </a:rPr>
+              <a:t>MMatrixWindow</a:t>
+            </a:r>
+            <a:r>
+              <a:rPr lang="ja-JP" altLang="en-US" sz="1050" dirty="0" smtClean="0">
+                <a:solidFill>
+                  <a:schemeClr val="tx1"/>
+                </a:solidFill>
+              </a:rPr>
+              <a:t>クラスのインスタンス</a:t>
+            </a:r>
+            <a:r>
+              <a:rPr lang="en-US" altLang="ja-JP" sz="1050" dirty="0" smtClean="0">
+                <a:solidFill>
+                  <a:schemeClr val="tx1"/>
+                </a:solidFill>
+              </a:rPr>
+              <a:t>)</a:t>
+            </a:r>
+            <a:r>
+              <a:rPr lang="ja-JP" altLang="en-US" sz="1050" dirty="0" smtClean="0">
+                <a:solidFill>
+                  <a:schemeClr val="tx1"/>
+                </a:solidFill>
+              </a:rPr>
+              <a:t>が取得できる</a:t>
+            </a:r>
+            <a:r>
+              <a:rPr lang="en-US" altLang="ja-JP" sz="1050" dirty="0" smtClean="0">
+                <a:solidFill>
+                  <a:schemeClr val="tx1"/>
+                </a:solidFill>
+              </a:rPr>
+              <a:t>Getter</a:t>
+            </a:r>
+            <a:r>
+              <a:rPr lang="ja-JP" altLang="en-US" sz="1050" dirty="0" smtClean="0">
+                <a:solidFill>
+                  <a:schemeClr val="tx1"/>
+                </a:solidFill>
+              </a:rPr>
+              <a:t>メソッド。</a:t>
+            </a:r>
+            <a:endParaRPr lang="en-US" altLang="ja-JP" sz="1050" dirty="0" smtClean="0">
+              <a:solidFill>
+                <a:schemeClr val="tx1"/>
+              </a:solidFill>
+            </a:endParaRPr>
+          </a:p>
+        </p:txBody>
+      </p:sp>
+      <p:sp>
+        <p:nvSpPr>
+          <p:cNvPr id="11" name="正方形/長方形 10"/>
+          <p:cNvSpPr/>
+          <p:nvPr/>
+        </p:nvSpPr>
+        <p:spPr>
+          <a:xfrm>
+            <a:off x="251520" y="2060848"/>
+            <a:ext cx="8640000" cy="432000"/>
+          </a:xfrm>
+          <a:prstGeom prst="rect">
+            <a:avLst/>
+          </a:prstGeom>
+          <a:solidFill>
+            <a:schemeClr val="accent1">
+              <a:lumMod val="20000"/>
+              <a:lumOff val="80000"/>
+            </a:schemeClr>
+          </a:solidFill>
+          <a:ln>
+            <a:solidFill>
+              <a:schemeClr val="accent1">
+                <a:lumMod val="60000"/>
+                <a:lumOff val="40000"/>
+              </a:schemeClr>
+            </a:solidFill>
+          </a:ln>
+        </p:spPr>
+        <p:style>
+          <a:lnRef idx="2">
+            <a:schemeClr val="accent1">
+              <a:shade val="50000"/>
+            </a:schemeClr>
+          </a:lnRef>
+          <a:fillRef idx="1">
+            <a:schemeClr val="accent1"/>
+          </a:fillRef>
+          <a:effectRef idx="0">
+            <a:schemeClr val="accent1"/>
+          </a:effectRef>
+          <a:fontRef idx="minor">
+            <a:schemeClr val="lt1"/>
+          </a:fontRef>
+        </p:style>
+        <p:txBody>
+          <a:bodyPr rIns="0" rtlCol="0" anchor="b"/>
+          <a:lstStyle/>
+          <a:p>
+            <a:pPr algn="l"/>
+            <a:r>
+              <a:rPr lang="en-US" altLang="ja-JP" sz="1600" b="1" dirty="0" err="1" smtClean="0">
+                <a:solidFill>
+                  <a:schemeClr val="tx1"/>
+                </a:solidFill>
+                <a:latin typeface="メイリオ" panose="020B0604030504040204" pitchFamily="50" charset="-128"/>
+                <a:ea typeface="メイリオ" panose="020B0604030504040204" pitchFamily="50" charset="-128"/>
+                <a:cs typeface="メイリオ" panose="020B0604030504040204" pitchFamily="50" charset="-128"/>
+              </a:rPr>
+              <a:t>MMatrixSearch</a:t>
+            </a:r>
+            <a:r>
+              <a:rPr lang="ja-JP" altLang="en-US" sz="1600" b="1" dirty="0" smtClean="0">
+                <a:solidFill>
+                  <a:schemeClr val="tx1"/>
+                </a:solidFill>
+                <a:latin typeface="メイリオ" panose="020B0604030504040204" pitchFamily="50" charset="-128"/>
+                <a:ea typeface="メイリオ" panose="020B0604030504040204" pitchFamily="50" charset="-128"/>
+                <a:cs typeface="メイリオ" panose="020B0604030504040204" pitchFamily="50" charset="-128"/>
+              </a:rPr>
+              <a:t>クラスの</a:t>
+            </a:r>
+            <a:r>
+              <a:rPr lang="en-US" altLang="ja-JP" sz="1600" b="1" dirty="0" err="1" smtClean="0">
+                <a:solidFill>
+                  <a:schemeClr val="tx1"/>
+                </a:solidFill>
+                <a:latin typeface="メイリオ" panose="020B0604030504040204" pitchFamily="50" charset="-128"/>
+                <a:ea typeface="メイリオ" panose="020B0604030504040204" pitchFamily="50" charset="-128"/>
+                <a:cs typeface="メイリオ" panose="020B0604030504040204" pitchFamily="50" charset="-128"/>
+              </a:rPr>
+              <a:t>afterSave</a:t>
+            </a:r>
+            <a:r>
+              <a:rPr lang="en-US" altLang="ja-JP" sz="1600" b="1" dirty="0" smtClean="0">
+                <a:solidFill>
+                  <a:schemeClr val="tx1"/>
+                </a:solidFill>
+                <a:latin typeface="メイリオ" panose="020B0604030504040204" pitchFamily="50" charset="-128"/>
+                <a:ea typeface="メイリオ" panose="020B0604030504040204" pitchFamily="50" charset="-128"/>
+                <a:cs typeface="メイリオ" panose="020B0604030504040204" pitchFamily="50" charset="-128"/>
+              </a:rPr>
+              <a:t>()</a:t>
+            </a:r>
+            <a:r>
+              <a:rPr lang="ja-JP" altLang="en-US" sz="1600" b="1" dirty="0" smtClean="0">
+                <a:solidFill>
+                  <a:schemeClr val="tx1"/>
+                </a:solidFill>
+                <a:latin typeface="メイリオ" panose="020B0604030504040204" pitchFamily="50" charset="-128"/>
+                <a:ea typeface="メイリオ" panose="020B0604030504040204" pitchFamily="50" charset="-128"/>
+                <a:cs typeface="メイリオ" panose="020B0604030504040204" pitchFamily="50" charset="-128"/>
+              </a:rPr>
+              <a:t>メソッド</a:t>
+            </a:r>
+            <a:endParaRPr lang="en-US" altLang="ja-JP" sz="1600" b="1" dirty="0" smtClean="0">
+              <a:solidFill>
+                <a:schemeClr val="tx1"/>
+              </a:solidFill>
+              <a:latin typeface="メイリオ" panose="020B0604030504040204" pitchFamily="50" charset="-128"/>
+              <a:ea typeface="メイリオ" panose="020B0604030504040204" pitchFamily="50" charset="-128"/>
+              <a:cs typeface="メイリオ" panose="020B0604030504040204" pitchFamily="50" charset="-128"/>
+            </a:endParaRPr>
+          </a:p>
+        </p:txBody>
+      </p:sp>
+      <p:sp>
+        <p:nvSpPr>
+          <p:cNvPr id="12" name="コンテンツ プレースホルダー 2"/>
+          <p:cNvSpPr txBox="1">
+            <a:spLocks/>
+          </p:cNvSpPr>
+          <p:nvPr/>
+        </p:nvSpPr>
+        <p:spPr>
+          <a:xfrm>
+            <a:off x="251520" y="2564904"/>
+            <a:ext cx="8635144" cy="792088"/>
+          </a:xfrm>
+          <a:prstGeom prst="rect">
+            <a:avLst/>
+          </a:prstGeom>
+          <a:noFill/>
+          <a:ln>
+            <a:noFill/>
+          </a:ln>
+        </p:spPr>
+        <p:style>
+          <a:lnRef idx="2">
+            <a:schemeClr val="accent1">
+              <a:shade val="50000"/>
+            </a:schemeClr>
+          </a:lnRef>
+          <a:fillRef idx="1">
+            <a:schemeClr val="accent1"/>
+          </a:fillRef>
+          <a:effectRef idx="0">
+            <a:schemeClr val="accent1"/>
+          </a:effectRef>
+          <a:fontRef idx="minor">
+            <a:schemeClr val="lt1"/>
+          </a:fontRef>
+        </p:style>
+        <p:txBody>
+          <a:bodyPr rtlCol="0" anchor="t"/>
+          <a:lstStyle>
+            <a:defPPr>
+              <a:defRPr lang="ja-JP"/>
+            </a:defPPr>
+            <a:lvl1pPr marL="0" indent="0" algn="just" eaLnBrk="1" hangingPunct="1">
+              <a:lnSpc>
+                <a:spcPct val="120000"/>
+              </a:lnSpc>
+              <a:spcBef>
+                <a:spcPts val="1200"/>
+              </a:spcBef>
+              <a:buNone/>
+              <a:defRPr sz="1800" kern="0">
+                <a:latin typeface="メイリオ" panose="020B0604030504040204" pitchFamily="50" charset="-128"/>
+                <a:ea typeface="メイリオ" panose="020B0604030504040204" pitchFamily="50" charset="-128"/>
+                <a:cs typeface="メイリオ" panose="020B0604030504040204" pitchFamily="50" charset="-128"/>
+              </a:defRPr>
+            </a:lvl1pPr>
+            <a:lvl2pPr>
+              <a:defRPr>
+                <a:solidFill>
+                  <a:schemeClr val="lt1"/>
+                </a:solidFill>
+                <a:latin typeface="+mn-lt"/>
+                <a:ea typeface="+mn-ea"/>
+              </a:defRPr>
+            </a:lvl2pPr>
+            <a:lvl3pPr>
+              <a:defRPr>
+                <a:solidFill>
+                  <a:schemeClr val="lt1"/>
+                </a:solidFill>
+                <a:latin typeface="+mn-lt"/>
+                <a:ea typeface="+mn-ea"/>
+              </a:defRPr>
+            </a:lvl3pPr>
+            <a:lvl4pPr>
+              <a:defRPr>
+                <a:solidFill>
+                  <a:schemeClr val="lt1"/>
+                </a:solidFill>
+                <a:latin typeface="+mn-lt"/>
+                <a:ea typeface="+mn-ea"/>
+              </a:defRPr>
+            </a:lvl4pPr>
+            <a:lvl5pPr>
+              <a:defRPr>
+                <a:solidFill>
+                  <a:schemeClr val="lt1"/>
+                </a:solidFill>
+                <a:latin typeface="+mn-lt"/>
+                <a:ea typeface="+mn-ea"/>
+              </a:defRPr>
+            </a:lvl5pPr>
+            <a:lvl6pPr>
+              <a:defRPr>
+                <a:solidFill>
+                  <a:schemeClr val="lt1"/>
+                </a:solidFill>
+                <a:latin typeface="+mn-lt"/>
+                <a:ea typeface="+mn-ea"/>
+              </a:defRPr>
+            </a:lvl6pPr>
+            <a:lvl7pPr>
+              <a:defRPr>
+                <a:solidFill>
+                  <a:schemeClr val="lt1"/>
+                </a:solidFill>
+                <a:latin typeface="+mn-lt"/>
+                <a:ea typeface="+mn-ea"/>
+              </a:defRPr>
+            </a:lvl7pPr>
+            <a:lvl8pPr>
+              <a:defRPr>
+                <a:solidFill>
+                  <a:schemeClr val="lt1"/>
+                </a:solidFill>
+                <a:latin typeface="+mn-lt"/>
+                <a:ea typeface="+mn-ea"/>
+              </a:defRPr>
+            </a:lvl8pPr>
+            <a:lvl9pPr>
+              <a:defRPr>
+                <a:solidFill>
+                  <a:schemeClr val="lt1"/>
+                </a:solidFill>
+                <a:latin typeface="+mn-lt"/>
+                <a:ea typeface="+mn-ea"/>
+              </a:defRPr>
+            </a:lvl9pPr>
+          </a:lstStyle>
+          <a:p>
+            <a:pPr marL="171450" indent="-171450">
+              <a:spcBef>
+                <a:spcPts val="600"/>
+              </a:spcBef>
+              <a:buFont typeface="Arial" panose="020B0604020202020204" pitchFamily="34" charset="0"/>
+              <a:buChar char="•"/>
+            </a:pPr>
+            <a:r>
+              <a:rPr lang="ja-JP" altLang="en-US" sz="1050" dirty="0" smtClean="0">
+                <a:solidFill>
+                  <a:schemeClr val="tx1"/>
+                </a:solidFill>
+              </a:rPr>
+              <a:t>必須フラグが</a:t>
+            </a:r>
+            <a:r>
+              <a:rPr lang="en-US" altLang="ja-JP" sz="1050" dirty="0" smtClean="0">
+                <a:solidFill>
+                  <a:schemeClr val="tx1"/>
+                </a:solidFill>
+              </a:rPr>
+              <a:t>ON</a:t>
+            </a:r>
+            <a:r>
+              <a:rPr lang="ja-JP" altLang="en-US" sz="1050" dirty="0" smtClean="0">
+                <a:solidFill>
+                  <a:schemeClr val="tx1"/>
+                </a:solidFill>
+              </a:rPr>
+              <a:t>の場合、ユニーク制約が正しく設定されている事を確認する。</a:t>
+            </a:r>
+            <a:endParaRPr lang="en-US" altLang="ja-JP" sz="1050" dirty="0" smtClean="0">
+              <a:solidFill>
+                <a:schemeClr val="tx1"/>
+              </a:solidFill>
+            </a:endParaRPr>
+          </a:p>
+        </p:txBody>
+      </p:sp>
+    </p:spTree>
+    <p:extLst>
+      <p:ext uri="{BB962C8B-B14F-4D97-AF65-F5344CB8AC3E}">
+        <p14:creationId xmlns:p14="http://schemas.microsoft.com/office/powerpoint/2010/main" val="2310906283"/>
+      </p:ext>
+    </p:extLst>
+  </p:cSld>
+  <p:clrMapOvr>
+    <a:masterClrMapping/>
+  </p:clrMapOvr>
+</p:sld>
+</file>
+
+<file path=ppt/slides/slide21.xml><?xml version="1.0" encoding="utf-8"?>
+<p:sld xmlns:a="http://schemas.openxmlformats.org/drawingml/2006/main" xmlns:r="http://schemas.openxmlformats.org/officeDocument/2006/relationships" xmlns:p="http://schemas.openxmlformats.org/presentationml/2006/main">
+  <p:cSld>
+    <p:spTree>
+      <p:nvGrpSpPr>
+        <p:cNvPr id="1" name=""/>
+        <p:cNvGrpSpPr/>
+        <p:nvPr/>
+      </p:nvGrpSpPr>
+      <p:grpSpPr>
+        <a:xfrm>
+          <a:off x="0" y="0"/>
+          <a:ext cx="0" cy="0"/>
+          <a:chOff x="0" y="0"/>
+          <a:chExt cx="0" cy="0"/>
+        </a:xfrm>
+      </p:grpSpPr>
+      <p:sp>
+        <p:nvSpPr>
+          <p:cNvPr id="2" name="タイトル 1"/>
+          <p:cNvSpPr>
+            <a:spLocks noGrp="1"/>
+          </p:cNvSpPr>
+          <p:nvPr>
+            <p:ph type="title"/>
+          </p:nvPr>
+        </p:nvSpPr>
+        <p:spPr/>
+        <p:txBody>
+          <a:bodyPr/>
+          <a:lstStyle/>
+          <a:p>
+            <a:r>
+              <a:rPr lang="en-US" altLang="ja-JP" dirty="0"/>
+              <a:t>【</a:t>
+            </a:r>
+            <a:r>
+              <a:rPr lang="ja-JP" altLang="en-US" dirty="0"/>
+              <a:t>概要設計</a:t>
+            </a:r>
+            <a:r>
+              <a:rPr lang="en-US" altLang="ja-JP" dirty="0"/>
+              <a:t>】</a:t>
+            </a:r>
+            <a:r>
               <a:rPr lang="ja-JP" altLang="en-US" dirty="0" smtClean="0"/>
               <a:t>マトリクスウィンドウ</a:t>
             </a:r>
@@ -36585,7 +37099,7 @@
 </p:sld>
 </file>
 
-<file path=ppt/slides/slide21.xml><?xml version="1.0" encoding="utf-8"?>
+<file path=ppt/slides/slide22.xml><?xml version="1.0" encoding="utf-8"?>
 <p:sld xmlns:a="http://schemas.openxmlformats.org/drawingml/2006/main" xmlns:r="http://schemas.openxmlformats.org/officeDocument/2006/relationships" xmlns:p="http://schemas.openxmlformats.org/presentationml/2006/main">
   <p:cSld>
     <p:spTree>
